--- a/Azure Kubernetes Service.pptx
+++ b/Azure Kubernetes Service.pptx
@@ -8,19 +8,20 @@
     <p:sldId id="257" r:id="rId2"/>
     <p:sldId id="291" r:id="rId3"/>
     <p:sldId id="293" r:id="rId4"/>
-    <p:sldId id="292" r:id="rId5"/>
-    <p:sldId id="294" r:id="rId6"/>
-    <p:sldId id="297" r:id="rId7"/>
-    <p:sldId id="298" r:id="rId8"/>
-    <p:sldId id="296" r:id="rId9"/>
-    <p:sldId id="295" r:id="rId10"/>
-    <p:sldId id="299" r:id="rId11"/>
-    <p:sldId id="300" r:id="rId12"/>
-    <p:sldId id="301" r:id="rId13"/>
-    <p:sldId id="302" r:id="rId14"/>
-    <p:sldId id="303" r:id="rId15"/>
-    <p:sldId id="304" r:id="rId16"/>
-    <p:sldId id="305" r:id="rId17"/>
+    <p:sldId id="306" r:id="rId5"/>
+    <p:sldId id="292" r:id="rId6"/>
+    <p:sldId id="294" r:id="rId7"/>
+    <p:sldId id="297" r:id="rId8"/>
+    <p:sldId id="298" r:id="rId9"/>
+    <p:sldId id="296" r:id="rId10"/>
+    <p:sldId id="295" r:id="rId11"/>
+    <p:sldId id="299" r:id="rId12"/>
+    <p:sldId id="300" r:id="rId13"/>
+    <p:sldId id="301" r:id="rId14"/>
+    <p:sldId id="302" r:id="rId15"/>
+    <p:sldId id="303" r:id="rId16"/>
+    <p:sldId id="304" r:id="rId17"/>
+    <p:sldId id="305" r:id="rId18"/>
   </p:sldIdLst>
   <p:sldSz cx="12192000" cy="6858000"/>
   <p:notesSz cx="6858000" cy="9144000"/>
@@ -119,6 +120,11 @@
       </a:defRPr>
     </a:lvl9pPr>
   </p:defaultTextStyle>
+  <p:extLst>
+    <p:ext uri="{EFAFB233-063F-42B5-8137-9DF3F51BA10A}">
+      <p15:sldGuideLst xmlns:p15="http://schemas.microsoft.com/office/powerpoint/2012/main"/>
+    </p:ext>
+  </p:extLst>
 </p:presentation>
 </file>
 
@@ -625,7 +631,7 @@
             <a:fld id="{B61BEF0D-F0BB-DE4B-95CE-6DB70DBA9567}" type="datetimeFigureOut">
               <a:rPr lang="en-US" dirty="0"/>
               <a:pPr/>
-              <a:t>12/4/2019</a:t>
+              <a:t>12/5/2019</a:t>
             </a:fld>
             <a:endParaRPr lang="en-US" dirty="0"/>
           </a:p>
@@ -918,7 +924,7 @@
             <a:fld id="{B61BEF0D-F0BB-DE4B-95CE-6DB70DBA9567}" type="datetimeFigureOut">
               <a:rPr lang="en-US" dirty="0"/>
               <a:pPr/>
-              <a:t>12/4/2019</a:t>
+              <a:t>12/5/2019</a:t>
             </a:fld>
             <a:endParaRPr lang="en-US" dirty="0"/>
           </a:p>
@@ -1163,7 +1169,7 @@
             <a:fld id="{B61BEF0D-F0BB-DE4B-95CE-6DB70DBA9567}" type="datetimeFigureOut">
               <a:rPr lang="en-US" dirty="0"/>
               <a:pPr/>
-              <a:t>12/4/2019</a:t>
+              <a:t>12/5/2019</a:t>
             </a:fld>
             <a:endParaRPr lang="en-US" dirty="0"/>
           </a:p>
@@ -1700,7 +1706,7 @@
             <a:fld id="{B61BEF0D-F0BB-DE4B-95CE-6DB70DBA9567}" type="datetimeFigureOut">
               <a:rPr lang="en-US" dirty="0"/>
               <a:pPr/>
-              <a:t>12/4/2019</a:t>
+              <a:t>12/5/2019</a:t>
             </a:fld>
             <a:endParaRPr lang="en-US" dirty="0"/>
           </a:p>
@@ -1945,7 +1951,7 @@
             <a:fld id="{B61BEF0D-F0BB-DE4B-95CE-6DB70DBA9567}" type="datetimeFigureOut">
               <a:rPr lang="en-US" dirty="0"/>
               <a:pPr/>
-              <a:t>12/4/2019</a:t>
+              <a:t>12/5/2019</a:t>
             </a:fld>
             <a:endParaRPr lang="en-US" dirty="0"/>
           </a:p>
@@ -2474,7 +2480,7 @@
             <a:fld id="{B61BEF0D-F0BB-DE4B-95CE-6DB70DBA9567}" type="datetimeFigureOut">
               <a:rPr lang="en-US" dirty="0"/>
               <a:pPr/>
-              <a:t>12/4/2019</a:t>
+              <a:t>12/5/2019</a:t>
             </a:fld>
             <a:endParaRPr lang="en-US" dirty="0"/>
           </a:p>
@@ -2768,7 +2774,7 @@
             <a:fld id="{B61BEF0D-F0BB-DE4B-95CE-6DB70DBA9567}" type="datetimeFigureOut">
               <a:rPr lang="en-US" dirty="0"/>
               <a:pPr/>
-              <a:t>12/4/2019</a:t>
+              <a:t>12/5/2019</a:t>
             </a:fld>
             <a:endParaRPr lang="en-US" dirty="0"/>
           </a:p>
@@ -2939,7 +2945,7 @@
             <a:fld id="{B61BEF0D-F0BB-DE4B-95CE-6DB70DBA9567}" type="datetimeFigureOut">
               <a:rPr lang="en-US" dirty="0"/>
               <a:pPr/>
-              <a:t>12/4/2019</a:t>
+              <a:t>12/5/2019</a:t>
             </a:fld>
             <a:endParaRPr lang="en-US" dirty="0"/>
           </a:p>
@@ -3116,7 +3122,7 @@
             <a:fld id="{B61BEF0D-F0BB-DE4B-95CE-6DB70DBA9567}" type="datetimeFigureOut">
               <a:rPr lang="en-US" dirty="0"/>
               <a:pPr/>
-              <a:t>12/4/2019</a:t>
+              <a:t>12/5/2019</a:t>
             </a:fld>
             <a:endParaRPr lang="en-US" dirty="0"/>
           </a:p>
@@ -3283,7 +3289,7 @@
             <a:fld id="{B61BEF0D-F0BB-DE4B-95CE-6DB70DBA9567}" type="datetimeFigureOut">
               <a:rPr lang="en-US" dirty="0"/>
               <a:pPr/>
-              <a:t>12/4/2019</a:t>
+              <a:t>12/5/2019</a:t>
             </a:fld>
             <a:endParaRPr lang="en-US" dirty="0"/>
           </a:p>
@@ -3531,7 +3537,7 @@
             <a:fld id="{B61BEF0D-F0BB-DE4B-95CE-6DB70DBA9567}" type="datetimeFigureOut">
               <a:rPr lang="en-US" dirty="0"/>
               <a:pPr/>
-              <a:t>12/4/2019</a:t>
+              <a:t>12/5/2019</a:t>
             </a:fld>
             <a:endParaRPr lang="en-US" dirty="0"/>
           </a:p>
@@ -3825,7 +3831,7 @@
             <a:fld id="{B61BEF0D-F0BB-DE4B-95CE-6DB70DBA9567}" type="datetimeFigureOut">
               <a:rPr lang="en-US" dirty="0"/>
               <a:pPr/>
-              <a:t>12/4/2019</a:t>
+              <a:t>12/5/2019</a:t>
             </a:fld>
             <a:endParaRPr lang="en-US" dirty="0"/>
           </a:p>
@@ -4264,7 +4270,7 @@
             <a:fld id="{B61BEF0D-F0BB-DE4B-95CE-6DB70DBA9567}" type="datetimeFigureOut">
               <a:rPr lang="en-US" dirty="0"/>
               <a:pPr/>
-              <a:t>12/4/2019</a:t>
+              <a:t>12/5/2019</a:t>
             </a:fld>
             <a:endParaRPr lang="en-US" dirty="0"/>
           </a:p>
@@ -4379,7 +4385,7 @@
             <a:fld id="{B61BEF0D-F0BB-DE4B-95CE-6DB70DBA9567}" type="datetimeFigureOut">
               <a:rPr lang="en-US" dirty="0"/>
               <a:pPr/>
-              <a:t>12/4/2019</a:t>
+              <a:t>12/5/2019</a:t>
             </a:fld>
             <a:endParaRPr lang="en-US" dirty="0"/>
           </a:p>
@@ -4471,7 +4477,7 @@
             <a:fld id="{B61BEF0D-F0BB-DE4B-95CE-6DB70DBA9567}" type="datetimeFigureOut">
               <a:rPr lang="en-US" dirty="0"/>
               <a:pPr/>
-              <a:t>12/4/2019</a:t>
+              <a:t>12/5/2019</a:t>
             </a:fld>
             <a:endParaRPr lang="en-US" dirty="0"/>
           </a:p>
@@ -4751,7 +4757,7 @@
             <a:fld id="{B61BEF0D-F0BB-DE4B-95CE-6DB70DBA9567}" type="datetimeFigureOut">
               <a:rPr lang="en-US" dirty="0"/>
               <a:pPr/>
-              <a:t>12/4/2019</a:t>
+              <a:t>12/5/2019</a:t>
             </a:fld>
             <a:endParaRPr lang="en-US" dirty="0"/>
           </a:p>
@@ -5039,7 +5045,7 @@
             <a:fld id="{B61BEF0D-F0BB-DE4B-95CE-6DB70DBA9567}" type="datetimeFigureOut">
               <a:rPr lang="en-US" dirty="0"/>
               <a:pPr/>
-              <a:t>12/4/2019</a:t>
+              <a:t>12/5/2019</a:t>
             </a:fld>
             <a:endParaRPr lang="en-US" dirty="0"/>
           </a:p>
@@ -5566,7 +5572,7 @@
             <a:fld id="{B61BEF0D-F0BB-DE4B-95CE-6DB70DBA9567}" type="datetimeFigureOut">
               <a:rPr lang="en-US" dirty="0"/>
               <a:pPr/>
-              <a:t>12/4/2019</a:t>
+              <a:t>12/5/2019</a:t>
             </a:fld>
             <a:endParaRPr lang="en-US" dirty="0"/>
           </a:p>
@@ -6200,6 +6206,229 @@
 <file path=ppt/slides/slide10.xml><?xml version="1.0" encoding="utf-8"?>
 <p:sld xmlns:a="http://schemas.openxmlformats.org/drawingml/2006/main" xmlns:r="http://schemas.openxmlformats.org/officeDocument/2006/relationships" xmlns:p="http://schemas.openxmlformats.org/presentationml/2006/main">
   <p:cSld>
+    <p:bg>
+      <p:bgPr>
+        <a:blipFill rotWithShape="1">
+          <a:blip r:embed="rId2">
+            <a:duotone>
+              <a:schemeClr val="bg2">
+                <a:shade val="76000"/>
+                <a:satMod val="180000"/>
+              </a:schemeClr>
+              <a:schemeClr val="bg2">
+                <a:tint val="80000"/>
+                <a:satMod val="120000"/>
+                <a:lumMod val="180000"/>
+              </a:schemeClr>
+            </a:duotone>
+          </a:blip>
+          <a:stretch/>
+        </a:blipFill>
+        <a:effectLst/>
+      </p:bgPr>
+    </p:bg>
+    <p:spTree>
+      <p:nvGrpSpPr>
+        <p:cNvPr id="1" name=""/>
+        <p:cNvGrpSpPr/>
+        <p:nvPr/>
+      </p:nvGrpSpPr>
+      <p:grpSpPr>
+        <a:xfrm>
+          <a:off x="0" y="0"/>
+          <a:ext cx="0" cy="0"/>
+          <a:chOff x="0" y="0"/>
+          <a:chExt cx="0" cy="0"/>
+        </a:xfrm>
+      </p:grpSpPr>
+      <p:sp>
+        <p:nvSpPr>
+          <p:cNvPr id="71" name="Rectangle 70">
+            <a:extLst>
+              <a:ext uri="{FF2B5EF4-FFF2-40B4-BE49-F238E27FC236}">
+                <a16:creationId xmlns:a16="http://schemas.microsoft.com/office/drawing/2014/main" id="{7FF78026-DEBB-4D5A-9A4E-872456603835}"/>
+              </a:ext>
+              <a:ext uri="{C183D7F6-B498-43B3-948B-1728B52AA6E4}">
+                <adec:decorative xmlns:adec="http://schemas.microsoft.com/office/drawing/2017/decorative" val="1"/>
+              </a:ext>
+            </a:extLst>
+          </p:cNvPr>
+          <p:cNvSpPr>
+            <a:spLocks noGrp="1" noRot="1" noChangeAspect="1" noMove="1" noResize="1" noEditPoints="1" noAdjustHandles="1" noChangeArrowheads="1" noChangeShapeType="1" noTextEdit="1"/>
+          </p:cNvSpPr>
+          <p:nvPr>
+            <p:extLst>
+              <p:ext uri="{386F3935-93C4-4BCD-93E2-E3B085C9AB24}">
+                <p16:designElem xmlns:p16="http://schemas.microsoft.com/office/powerpoint/2015/main" val="1"/>
+              </p:ext>
+            </p:extLst>
+          </p:nvPr>
+        </p:nvSpPr>
+        <p:spPr>
+          <a:xfrm>
+            <a:off x="0" y="0"/>
+            <a:ext cx="12192000" cy="6858000"/>
+          </a:xfrm>
+          <a:prstGeom prst="rect">
+            <a:avLst/>
+          </a:prstGeom>
+          <a:solidFill>
+            <a:srgbClr val="475A6E"/>
+          </a:solidFill>
+          <a:ln>
+            <a:noFill/>
+          </a:ln>
+        </p:spPr>
+        <p:style>
+          <a:lnRef idx="2">
+            <a:schemeClr val="accent1">
+              <a:shade val="50000"/>
+            </a:schemeClr>
+          </a:lnRef>
+          <a:fillRef idx="1">
+            <a:schemeClr val="accent1"/>
+          </a:fillRef>
+          <a:effectRef idx="0">
+            <a:schemeClr val="accent1"/>
+          </a:effectRef>
+          <a:fontRef idx="minor">
+            <a:schemeClr val="lt1"/>
+          </a:fontRef>
+        </p:style>
+        <p:txBody>
+          <a:bodyPr rtlCol="0" anchor="ctr"/>
+          <a:lstStyle/>
+          <a:p>
+            <a:pPr algn="ctr"/>
+            <a:endParaRPr lang="en-US"/>
+          </a:p>
+        </p:txBody>
+      </p:sp>
+      <p:sp>
+        <p:nvSpPr>
+          <p:cNvPr id="73" name="Rectangle 72">
+            <a:extLst>
+              <a:ext uri="{FF2B5EF4-FFF2-40B4-BE49-F238E27FC236}">
+                <a16:creationId xmlns:a16="http://schemas.microsoft.com/office/drawing/2014/main" id="{E05E1684-CF44-4EAD-B3A4-FCE98461F3EE}"/>
+              </a:ext>
+              <a:ext uri="{C183D7F6-B498-43B3-948B-1728B52AA6E4}">
+                <adec:decorative xmlns:adec="http://schemas.microsoft.com/office/drawing/2017/decorative" val="1"/>
+              </a:ext>
+            </a:extLst>
+          </p:cNvPr>
+          <p:cNvSpPr>
+            <a:spLocks noGrp="1" noRot="1" noChangeAspect="1" noMove="1" noResize="1" noEditPoints="1" noAdjustHandles="1" noChangeArrowheads="1" noChangeShapeType="1" noTextEdit="1"/>
+          </p:cNvSpPr>
+          <p:nvPr>
+            <p:extLst>
+              <p:ext uri="{386F3935-93C4-4BCD-93E2-E3B085C9AB24}">
+                <p16:designElem xmlns:p16="http://schemas.microsoft.com/office/powerpoint/2015/main" val="1"/>
+              </p:ext>
+            </p:extLst>
+          </p:nvPr>
+        </p:nvSpPr>
+        <p:spPr>
+          <a:xfrm>
+            <a:off x="477012" y="480060"/>
+            <a:ext cx="11237976" cy="5897880"/>
+          </a:xfrm>
+          <a:prstGeom prst="rect">
+            <a:avLst/>
+          </a:prstGeom>
+          <a:solidFill>
+            <a:srgbClr val="FFFFFF"/>
+          </a:solidFill>
+          <a:ln>
+            <a:noFill/>
+          </a:ln>
+        </p:spPr>
+        <p:style>
+          <a:lnRef idx="2">
+            <a:schemeClr val="accent1">
+              <a:shade val="50000"/>
+            </a:schemeClr>
+          </a:lnRef>
+          <a:fillRef idx="1">
+            <a:schemeClr val="accent1"/>
+          </a:fillRef>
+          <a:effectRef idx="0">
+            <a:schemeClr val="accent1"/>
+          </a:effectRef>
+          <a:fontRef idx="minor">
+            <a:schemeClr val="lt1"/>
+          </a:fontRef>
+        </p:style>
+        <p:txBody>
+          <a:bodyPr rtlCol="0" anchor="ctr"/>
+          <a:lstStyle/>
+          <a:p>
+            <a:pPr algn="ctr"/>
+            <a:endParaRPr lang="en-US"/>
+          </a:p>
+        </p:txBody>
+      </p:sp>
+      <p:pic>
+        <p:nvPicPr>
+          <p:cNvPr id="4098" name="Picture 2" descr="Znalezione obrazy dla zapytania what is docker">
+            <a:extLst>
+              <a:ext uri="{FF2B5EF4-FFF2-40B4-BE49-F238E27FC236}">
+                <a16:creationId xmlns:a16="http://schemas.microsoft.com/office/drawing/2014/main" id="{DF0121BF-1A6F-4566-9236-0AB618967B2D}"/>
+              </a:ext>
+            </a:extLst>
+          </p:cNvPr>
+          <p:cNvPicPr>
+            <a:picLocks noChangeAspect="1" noChangeArrowheads="1"/>
+          </p:cNvPicPr>
+          <p:nvPr/>
+        </p:nvPicPr>
+        <p:blipFill>
+          <a:blip r:embed="rId3">
+            <a:extLst>
+              <a:ext uri="{28A0092B-C50C-407E-A947-70E740481C1C}">
+                <a14:useLocalDpi xmlns:a14="http://schemas.microsoft.com/office/drawing/2010/main" val="0"/>
+              </a:ext>
+            </a:extLst>
+          </a:blip>
+          <a:stretch>
+            <a:fillRect/>
+          </a:stretch>
+        </p:blipFill>
+        <p:spPr bwMode="auto">
+          <a:xfrm>
+            <a:off x="2875730" y="643467"/>
+            <a:ext cx="6440539" cy="5571066"/>
+          </a:xfrm>
+          <a:prstGeom prst="rect">
+            <a:avLst/>
+          </a:prstGeom>
+          <a:noFill/>
+          <a:extLst>
+            <a:ext uri="{909E8E84-426E-40DD-AFC4-6F175D3DCCD1}">
+              <a14:hiddenFill xmlns:a14="http://schemas.microsoft.com/office/drawing/2010/main">
+                <a:solidFill>
+                  <a:srgbClr val="FFFFFF"/>
+                </a:solidFill>
+              </a14:hiddenFill>
+            </a:ext>
+          </a:extLst>
+        </p:spPr>
+      </p:pic>
+    </p:spTree>
+    <p:extLst>
+      <p:ext uri="{BB962C8B-B14F-4D97-AF65-F5344CB8AC3E}">
+        <p14:creationId xmlns:p14="http://schemas.microsoft.com/office/powerpoint/2010/main" val="1796191915"/>
+      </p:ext>
+    </p:extLst>
+  </p:cSld>
+  <p:clrMapOvr>
+    <a:masterClrMapping/>
+  </p:clrMapOvr>
+</p:sld>
+</file>
+
+<file path=ppt/slides/slide11.xml><?xml version="1.0" encoding="utf-8"?>
+<p:sld xmlns:a="http://schemas.openxmlformats.org/drawingml/2006/main" xmlns:r="http://schemas.openxmlformats.org/officeDocument/2006/relationships" xmlns:p="http://schemas.openxmlformats.org/presentationml/2006/main">
+  <p:cSld>
     <p:spTree>
       <p:nvGrpSpPr>
         <p:cNvPr id="1" name=""/>
@@ -6676,7 +6905,7 @@
 </p:sld>
 </file>
 
-<file path=ppt/slides/slide11.xml><?xml version="1.0" encoding="utf-8"?>
+<file path=ppt/slides/slide12.xml><?xml version="1.0" encoding="utf-8"?>
 <p:sld xmlns:a="http://schemas.openxmlformats.org/drawingml/2006/main" xmlns:r="http://schemas.openxmlformats.org/officeDocument/2006/relationships" xmlns:p="http://schemas.openxmlformats.org/presentationml/2006/main">
   <p:cSld>
     <p:bg>
@@ -7678,7 +7907,7 @@
 </p:sld>
 </file>
 
-<file path=ppt/slides/slide12.xml><?xml version="1.0" encoding="utf-8"?>
+<file path=ppt/slides/slide13.xml><?xml version="1.0" encoding="utf-8"?>
 <p:sld xmlns:a="http://schemas.openxmlformats.org/drawingml/2006/main" xmlns:r="http://schemas.openxmlformats.org/officeDocument/2006/relationships" xmlns:p="http://schemas.openxmlformats.org/presentationml/2006/main">
   <p:cSld>
     <p:bg>
@@ -7930,7 +8159,7 @@
 </p:sld>
 </file>
 
-<file path=ppt/slides/slide13.xml><?xml version="1.0" encoding="utf-8"?>
+<file path=ppt/slides/slide14.xml><?xml version="1.0" encoding="utf-8"?>
 <p:sld xmlns:a="http://schemas.openxmlformats.org/drawingml/2006/main" xmlns:r="http://schemas.openxmlformats.org/officeDocument/2006/relationships" xmlns:p="http://schemas.openxmlformats.org/presentationml/2006/main">
   <p:cSld>
     <p:bg>
@@ -8800,7 +9029,7 @@
 </p:sld>
 </file>
 
-<file path=ppt/slides/slide14.xml><?xml version="1.0" encoding="utf-8"?>
+<file path=ppt/slides/slide15.xml><?xml version="1.0" encoding="utf-8"?>
 <p:sld xmlns:a="http://schemas.openxmlformats.org/drawingml/2006/main" xmlns:r="http://schemas.openxmlformats.org/officeDocument/2006/relationships" xmlns:p="http://schemas.openxmlformats.org/presentationml/2006/main">
   <p:cSld>
     <p:bg>
@@ -9749,7 +9978,7 @@
 </p:sld>
 </file>
 
-<file path=ppt/slides/slide15.xml><?xml version="1.0" encoding="utf-8"?>
+<file path=ppt/slides/slide16.xml><?xml version="1.0" encoding="utf-8"?>
 <p:sld xmlns:a="http://schemas.openxmlformats.org/drawingml/2006/main" xmlns:r="http://schemas.openxmlformats.org/officeDocument/2006/relationships" xmlns:p="http://schemas.openxmlformats.org/presentationml/2006/main">
   <p:cSld>
     <p:bg>
@@ -10160,7 +10389,7 @@
 </p:sld>
 </file>
 
-<file path=ppt/slides/slide16.xml><?xml version="1.0" encoding="utf-8"?>
+<file path=ppt/slides/slide17.xml><?xml version="1.0" encoding="utf-8"?>
 <p:sld xmlns:a="http://schemas.openxmlformats.org/drawingml/2006/main" xmlns:r="http://schemas.openxmlformats.org/officeDocument/2006/relationships" xmlns:p="http://schemas.openxmlformats.org/presentationml/2006/main">
   <p:cSld>
     <p:spTree>
@@ -12842,6 +13071,892 @@
       </p:grpSpPr>
       <p:grpSp>
         <p:nvGrpSpPr>
+          <p:cNvPr id="9" name="Group 8">
+            <a:extLst>
+              <a:ext uri="{FF2B5EF4-FFF2-40B4-BE49-F238E27FC236}">
+                <a16:creationId xmlns:a16="http://schemas.microsoft.com/office/drawing/2014/main" id="{E9D059B6-ADD8-488A-B346-63289E90D13F}"/>
+              </a:ext>
+              <a:ext uri="{C183D7F6-B498-43B3-948B-1728B52AA6E4}">
+                <adec:decorative xmlns:adec="http://schemas.microsoft.com/office/drawing/2017/decorative" val="1"/>
+              </a:ext>
+            </a:extLst>
+          </p:cNvPr>
+          <p:cNvGrpSpPr>
+            <a:grpSpLocks noGrp="1" noUngrp="1" noRot="1" noChangeAspect="1" noMove="1" noResize="1"/>
+          </p:cNvGrpSpPr>
+          <p:nvPr>
+            <p:extLst>
+              <p:ext uri="{386F3935-93C4-4BCD-93E2-E3B085C9AB24}">
+                <p16:designElem xmlns:p16="http://schemas.microsoft.com/office/powerpoint/2015/main" val="1"/>
+              </p:ext>
+            </p:extLst>
+          </p:nvPr>
+        </p:nvGrpSpPr>
+        <p:grpSpPr>
+          <a:xfrm>
+            <a:off x="546100" y="-4763"/>
+            <a:ext cx="5014912" cy="6862763"/>
+            <a:chOff x="2928938" y="-4763"/>
+            <a:chExt cx="5014912" cy="6862763"/>
+          </a:xfrm>
+        </p:grpSpPr>
+        <p:sp>
+          <p:nvSpPr>
+            <p:cNvPr id="10" name="Freeform 6">
+              <a:extLst>
+                <a:ext uri="{FF2B5EF4-FFF2-40B4-BE49-F238E27FC236}">
+                  <a16:creationId xmlns:a16="http://schemas.microsoft.com/office/drawing/2014/main" id="{F69B42B4-BC82-4495-A6F9-A28167B56A0E}"/>
+                </a:ext>
+                <a:ext uri="{C183D7F6-B498-43B3-948B-1728B52AA6E4}">
+                  <adec:decorative xmlns:adec="http://schemas.microsoft.com/office/drawing/2017/decorative" val="1"/>
+                </a:ext>
+              </a:extLst>
+            </p:cNvPr>
+            <p:cNvSpPr/>
+            <p:nvPr>
+              <p:extLst>
+                <p:ext uri="{386F3935-93C4-4BCD-93E2-E3B085C9AB24}">
+                  <p16:designElem xmlns:p16="http://schemas.microsoft.com/office/powerpoint/2015/main" val="1"/>
+                </p:ext>
+              </p:extLst>
+            </p:nvPr>
+          </p:nvSpPr>
+          <p:spPr bwMode="auto">
+            <a:xfrm>
+              <a:off x="3367088" y="-4763"/>
+              <a:ext cx="1063625" cy="2782888"/>
+            </a:xfrm>
+            <a:custGeom>
+              <a:avLst/>
+              <a:gdLst/>
+              <a:ahLst/>
+              <a:cxnLst/>
+              <a:rect l="0" t="0" r="r" b="b"/>
+              <a:pathLst>
+                <a:path w="670" h="1753">
+                  <a:moveTo>
+                    <a:pt x="0" y="1696"/>
+                  </a:moveTo>
+                  <a:lnTo>
+                    <a:pt x="225" y="1753"/>
+                  </a:lnTo>
+                  <a:lnTo>
+                    <a:pt x="670" y="0"/>
+                  </a:lnTo>
+                  <a:lnTo>
+                    <a:pt x="430" y="0"/>
+                  </a:lnTo>
+                  <a:lnTo>
+                    <a:pt x="0" y="1696"/>
+                  </a:lnTo>
+                  <a:close/>
+                </a:path>
+              </a:pathLst>
+            </a:custGeom>
+            <a:solidFill>
+              <a:schemeClr val="accent1"/>
+            </a:solidFill>
+            <a:ln>
+              <a:noFill/>
+            </a:ln>
+          </p:spPr>
+        </p:sp>
+        <p:sp>
+          <p:nvSpPr>
+            <p:cNvPr id="11" name="Freeform 7">
+              <a:extLst>
+                <a:ext uri="{FF2B5EF4-FFF2-40B4-BE49-F238E27FC236}">
+                  <a16:creationId xmlns:a16="http://schemas.microsoft.com/office/drawing/2014/main" id="{83CC168C-2AD4-4FFB-9F25-420ED6514C7D}"/>
+                </a:ext>
+                <a:ext uri="{C183D7F6-B498-43B3-948B-1728B52AA6E4}">
+                  <adec:decorative xmlns:adec="http://schemas.microsoft.com/office/drawing/2017/decorative" val="1"/>
+                </a:ext>
+              </a:extLst>
+            </p:cNvPr>
+            <p:cNvSpPr/>
+            <p:nvPr>
+              <p:extLst>
+                <p:ext uri="{386F3935-93C4-4BCD-93E2-E3B085C9AB24}">
+                  <p16:designElem xmlns:p16="http://schemas.microsoft.com/office/powerpoint/2015/main" val="1"/>
+                </p:ext>
+              </p:extLst>
+            </p:nvPr>
+          </p:nvSpPr>
+          <p:spPr bwMode="auto">
+            <a:xfrm>
+              <a:off x="2928938" y="-4763"/>
+              <a:ext cx="1035050" cy="2673350"/>
+            </a:xfrm>
+            <a:custGeom>
+              <a:avLst/>
+              <a:gdLst/>
+              <a:ahLst/>
+              <a:cxnLst/>
+              <a:rect l="0" t="0" r="r" b="b"/>
+              <a:pathLst>
+                <a:path w="652" h="1684">
+                  <a:moveTo>
+                    <a:pt x="225" y="1684"/>
+                  </a:moveTo>
+                  <a:lnTo>
+                    <a:pt x="652" y="0"/>
+                  </a:lnTo>
+                  <a:lnTo>
+                    <a:pt x="411" y="0"/>
+                  </a:lnTo>
+                  <a:lnTo>
+                    <a:pt x="0" y="1627"/>
+                  </a:lnTo>
+                  <a:lnTo>
+                    <a:pt x="219" y="1681"/>
+                  </a:lnTo>
+                  <a:lnTo>
+                    <a:pt x="225" y="1684"/>
+                  </a:lnTo>
+                  <a:close/>
+                </a:path>
+              </a:pathLst>
+            </a:custGeom>
+            <a:solidFill>
+              <a:schemeClr val="tx1">
+                <a:lumMod val="65000"/>
+                <a:lumOff val="35000"/>
+              </a:schemeClr>
+            </a:solidFill>
+            <a:ln>
+              <a:noFill/>
+            </a:ln>
+          </p:spPr>
+        </p:sp>
+        <p:sp>
+          <p:nvSpPr>
+            <p:cNvPr id="12" name="Freeform 9">
+              <a:extLst>
+                <a:ext uri="{FF2B5EF4-FFF2-40B4-BE49-F238E27FC236}">
+                  <a16:creationId xmlns:a16="http://schemas.microsoft.com/office/drawing/2014/main" id="{6C9F369A-6158-4AE8-BA04-138A9DFFAE05}"/>
+                </a:ext>
+                <a:ext uri="{C183D7F6-B498-43B3-948B-1728B52AA6E4}">
+                  <adec:decorative xmlns:adec="http://schemas.microsoft.com/office/drawing/2017/decorative" val="1"/>
+                </a:ext>
+              </a:extLst>
+            </p:cNvPr>
+            <p:cNvSpPr/>
+            <p:nvPr>
+              <p:extLst>
+                <p:ext uri="{386F3935-93C4-4BCD-93E2-E3B085C9AB24}">
+                  <p16:designElem xmlns:p16="http://schemas.microsoft.com/office/powerpoint/2015/main" val="1"/>
+                </p:ext>
+              </p:extLst>
+            </p:nvPr>
+          </p:nvSpPr>
+          <p:spPr bwMode="auto">
+            <a:xfrm>
+              <a:off x="2928938" y="2582862"/>
+              <a:ext cx="2693987" cy="4275138"/>
+            </a:xfrm>
+            <a:custGeom>
+              <a:avLst/>
+              <a:gdLst/>
+              <a:ahLst/>
+              <a:cxnLst/>
+              <a:rect l="0" t="0" r="r" b="b"/>
+              <a:pathLst>
+                <a:path w="1697" h="2693">
+                  <a:moveTo>
+                    <a:pt x="0" y="0"/>
+                  </a:moveTo>
+                  <a:lnTo>
+                    <a:pt x="1622" y="2693"/>
+                  </a:lnTo>
+                  <a:lnTo>
+                    <a:pt x="1697" y="2693"/>
+                  </a:lnTo>
+                  <a:lnTo>
+                    <a:pt x="0" y="0"/>
+                  </a:lnTo>
+                  <a:close/>
+                </a:path>
+              </a:pathLst>
+            </a:custGeom>
+            <a:solidFill>
+              <a:schemeClr val="tx1">
+                <a:lumMod val="85000"/>
+                <a:lumOff val="15000"/>
+              </a:schemeClr>
+            </a:solidFill>
+            <a:ln>
+              <a:noFill/>
+            </a:ln>
+          </p:spPr>
+        </p:sp>
+        <p:sp>
+          <p:nvSpPr>
+            <p:cNvPr id="13" name="Freeform 10">
+              <a:extLst>
+                <a:ext uri="{FF2B5EF4-FFF2-40B4-BE49-F238E27FC236}">
+                  <a16:creationId xmlns:a16="http://schemas.microsoft.com/office/drawing/2014/main" id="{FC7B1DF4-AD98-42A8-820F-667A3DCC40AC}"/>
+                </a:ext>
+                <a:ext uri="{C183D7F6-B498-43B3-948B-1728B52AA6E4}">
+                  <adec:decorative xmlns:adec="http://schemas.microsoft.com/office/drawing/2017/decorative" val="1"/>
+                </a:ext>
+              </a:extLst>
+            </p:cNvPr>
+            <p:cNvSpPr/>
+            <p:nvPr>
+              <p:extLst>
+                <p:ext uri="{386F3935-93C4-4BCD-93E2-E3B085C9AB24}">
+                  <p16:designElem xmlns:p16="http://schemas.microsoft.com/office/powerpoint/2015/main" val="1"/>
+                </p:ext>
+              </p:extLst>
+            </p:nvPr>
+          </p:nvSpPr>
+          <p:spPr bwMode="auto">
+            <a:xfrm>
+              <a:off x="3371850" y="2692400"/>
+              <a:ext cx="3332162" cy="4165600"/>
+            </a:xfrm>
+            <a:custGeom>
+              <a:avLst/>
+              <a:gdLst/>
+              <a:ahLst/>
+              <a:cxnLst/>
+              <a:rect l="0" t="0" r="r" b="b"/>
+              <a:pathLst>
+                <a:path w="2099" h="2624">
+                  <a:moveTo>
+                    <a:pt x="2099" y="2624"/>
+                  </a:moveTo>
+                  <a:lnTo>
+                    <a:pt x="0" y="0"/>
+                  </a:lnTo>
+                  <a:lnTo>
+                    <a:pt x="2021" y="2624"/>
+                  </a:lnTo>
+                  <a:lnTo>
+                    <a:pt x="2099" y="2624"/>
+                  </a:lnTo>
+                  <a:close/>
+                </a:path>
+              </a:pathLst>
+            </a:custGeom>
+            <a:solidFill>
+              <a:schemeClr val="accent1">
+                <a:lumMod val="50000"/>
+              </a:schemeClr>
+            </a:solidFill>
+            <a:ln>
+              <a:noFill/>
+            </a:ln>
+          </p:spPr>
+        </p:sp>
+        <p:sp>
+          <p:nvSpPr>
+            <p:cNvPr id="14" name="Freeform 11">
+              <a:extLst>
+                <a:ext uri="{FF2B5EF4-FFF2-40B4-BE49-F238E27FC236}">
+                  <a16:creationId xmlns:a16="http://schemas.microsoft.com/office/drawing/2014/main" id="{61C58B74-3656-4FD5-AC47-EE3A59EBB818}"/>
+                </a:ext>
+                <a:ext uri="{C183D7F6-B498-43B3-948B-1728B52AA6E4}">
+                  <adec:decorative xmlns:adec="http://schemas.microsoft.com/office/drawing/2017/decorative" val="1"/>
+                </a:ext>
+              </a:extLst>
+            </p:cNvPr>
+            <p:cNvSpPr/>
+            <p:nvPr>
+              <p:extLst>
+                <p:ext uri="{386F3935-93C4-4BCD-93E2-E3B085C9AB24}">
+                  <p16:designElem xmlns:p16="http://schemas.microsoft.com/office/powerpoint/2015/main" val="1"/>
+                </p:ext>
+              </p:extLst>
+            </p:nvPr>
+          </p:nvSpPr>
+          <p:spPr bwMode="auto">
+            <a:xfrm>
+              <a:off x="3367088" y="2687637"/>
+              <a:ext cx="4576762" cy="4170363"/>
+            </a:xfrm>
+            <a:custGeom>
+              <a:avLst/>
+              <a:gdLst/>
+              <a:ahLst/>
+              <a:cxnLst/>
+              <a:rect l="0" t="0" r="r" b="b"/>
+              <a:pathLst>
+                <a:path w="2883" h="2627">
+                  <a:moveTo>
+                    <a:pt x="0" y="0"/>
+                  </a:moveTo>
+                  <a:lnTo>
+                    <a:pt x="3" y="3"/>
+                  </a:lnTo>
+                  <a:lnTo>
+                    <a:pt x="2102" y="2627"/>
+                  </a:lnTo>
+                  <a:lnTo>
+                    <a:pt x="2883" y="2627"/>
+                  </a:lnTo>
+                  <a:lnTo>
+                    <a:pt x="225" y="57"/>
+                  </a:lnTo>
+                  <a:lnTo>
+                    <a:pt x="0" y="0"/>
+                  </a:lnTo>
+                  <a:close/>
+                </a:path>
+              </a:pathLst>
+            </a:custGeom>
+            <a:solidFill>
+              <a:schemeClr val="accent1">
+                <a:lumMod val="75000"/>
+              </a:schemeClr>
+            </a:solidFill>
+            <a:ln>
+              <a:noFill/>
+            </a:ln>
+          </p:spPr>
+        </p:sp>
+        <p:sp>
+          <p:nvSpPr>
+            <p:cNvPr id="15" name="Freeform 12">
+              <a:extLst>
+                <a:ext uri="{FF2B5EF4-FFF2-40B4-BE49-F238E27FC236}">
+                  <a16:creationId xmlns:a16="http://schemas.microsoft.com/office/drawing/2014/main" id="{8B349A01-D803-4A18-B608-47BFCED43435}"/>
+                </a:ext>
+                <a:ext uri="{C183D7F6-B498-43B3-948B-1728B52AA6E4}">
+                  <adec:decorative xmlns:adec="http://schemas.microsoft.com/office/drawing/2017/decorative" val="1"/>
+                </a:ext>
+              </a:extLst>
+            </p:cNvPr>
+            <p:cNvSpPr/>
+            <p:nvPr>
+              <p:extLst>
+                <p:ext uri="{386F3935-93C4-4BCD-93E2-E3B085C9AB24}">
+                  <p16:designElem xmlns:p16="http://schemas.microsoft.com/office/powerpoint/2015/main" val="1"/>
+                </p:ext>
+              </p:extLst>
+            </p:nvPr>
+          </p:nvSpPr>
+          <p:spPr bwMode="auto">
+            <a:xfrm>
+              <a:off x="2928938" y="2578100"/>
+              <a:ext cx="3584575" cy="4279900"/>
+            </a:xfrm>
+            <a:custGeom>
+              <a:avLst/>
+              <a:gdLst/>
+              <a:ahLst/>
+              <a:cxnLst/>
+              <a:rect l="0" t="0" r="r" b="b"/>
+              <a:pathLst>
+                <a:path w="2258" h="2696">
+                  <a:moveTo>
+                    <a:pt x="2258" y="2696"/>
+                  </a:moveTo>
+                  <a:lnTo>
+                    <a:pt x="264" y="111"/>
+                  </a:lnTo>
+                  <a:lnTo>
+                    <a:pt x="228" y="60"/>
+                  </a:lnTo>
+                  <a:lnTo>
+                    <a:pt x="225" y="57"/>
+                  </a:lnTo>
+                  <a:lnTo>
+                    <a:pt x="0" y="0"/>
+                  </a:lnTo>
+                  <a:lnTo>
+                    <a:pt x="0" y="3"/>
+                  </a:lnTo>
+                  <a:lnTo>
+                    <a:pt x="1697" y="2696"/>
+                  </a:lnTo>
+                  <a:lnTo>
+                    <a:pt x="2258" y="2696"/>
+                  </a:lnTo>
+                  <a:close/>
+                </a:path>
+              </a:pathLst>
+            </a:custGeom>
+            <a:solidFill>
+              <a:schemeClr val="tx1">
+                <a:lumMod val="75000"/>
+                <a:lumOff val="25000"/>
+              </a:schemeClr>
+            </a:solidFill>
+            <a:ln>
+              <a:noFill/>
+            </a:ln>
+          </p:spPr>
+        </p:sp>
+      </p:grpSp>
+      <p:sp useBgFill="1">
+        <p:nvSpPr>
+          <p:cNvPr id="17" name="Rectangle 16">
+            <a:extLst>
+              <a:ext uri="{FF2B5EF4-FFF2-40B4-BE49-F238E27FC236}">
+                <a16:creationId xmlns:a16="http://schemas.microsoft.com/office/drawing/2014/main" id="{15655827-B42D-4180-88D3-D83F25E4BD1C}"/>
+              </a:ext>
+              <a:ext uri="{C183D7F6-B498-43B3-948B-1728B52AA6E4}">
+                <adec:decorative xmlns:adec="http://schemas.microsoft.com/office/drawing/2017/decorative" val="1"/>
+              </a:ext>
+            </a:extLst>
+          </p:cNvPr>
+          <p:cNvSpPr>
+            <a:spLocks noGrp="1" noRot="1" noChangeAspect="1" noMove="1" noResize="1" noEditPoints="1" noAdjustHandles="1" noChangeArrowheads="1" noChangeShapeType="1" noTextEdit="1"/>
+          </p:cNvSpPr>
+          <p:nvPr>
+            <p:extLst>
+              <p:ext uri="{386F3935-93C4-4BCD-93E2-E3B085C9AB24}">
+                <p16:designElem xmlns:p16="http://schemas.microsoft.com/office/powerpoint/2015/main" val="1"/>
+              </p:ext>
+            </p:extLst>
+          </p:nvPr>
+        </p:nvSpPr>
+        <p:spPr>
+          <a:xfrm>
+            <a:off x="0" y="0"/>
+            <a:ext cx="12192000" cy="6858000"/>
+          </a:xfrm>
+          <a:prstGeom prst="rect">
+            <a:avLst/>
+          </a:prstGeom>
+          <a:ln>
+            <a:noFill/>
+          </a:ln>
+          <a:effectLst/>
+        </p:spPr>
+        <p:txBody>
+          <a:bodyPr rtlCol="0" anchor="ctr"/>
+          <a:lstStyle/>
+          <a:p>
+            <a:pPr algn="ctr"/>
+            <a:endParaRPr lang="en-US"/>
+          </a:p>
+        </p:txBody>
+      </p:sp>
+      <p:sp>
+        <p:nvSpPr>
+          <p:cNvPr id="19" name="Freeform: Shape 18">
+            <a:extLst>
+              <a:ext uri="{FF2B5EF4-FFF2-40B4-BE49-F238E27FC236}">
+                <a16:creationId xmlns:a16="http://schemas.microsoft.com/office/drawing/2014/main" id="{24ACCB06-563C-4ADE-B4D6-1FE9F723C7D9}"/>
+              </a:ext>
+              <a:ext uri="{C183D7F6-B498-43B3-948B-1728B52AA6E4}">
+                <adec:decorative xmlns:adec="http://schemas.microsoft.com/office/drawing/2017/decorative" val="1"/>
+              </a:ext>
+            </a:extLst>
+          </p:cNvPr>
+          <p:cNvSpPr>
+            <a:spLocks noGrp="1" noRot="1" noChangeAspect="1" noMove="1" noResize="1" noEditPoints="1" noAdjustHandles="1" noChangeArrowheads="1" noChangeShapeType="1" noTextEdit="1"/>
+          </p:cNvSpPr>
+          <p:nvPr>
+            <p:extLst>
+              <p:ext uri="{386F3935-93C4-4BCD-93E2-E3B085C9AB24}">
+                <p16:designElem xmlns:p16="http://schemas.microsoft.com/office/powerpoint/2015/main" val="1"/>
+              </p:ext>
+            </p:extLst>
+          </p:nvPr>
+        </p:nvSpPr>
+        <p:spPr bwMode="auto">
+          <a:xfrm>
+            <a:off x="0" y="3955594"/>
+            <a:ext cx="1828958" cy="2902407"/>
+          </a:xfrm>
+          <a:custGeom>
+            <a:avLst/>
+            <a:gdLst>
+              <a:gd name="connsiteX0" fmla="*/ 0 w 1828958"/>
+              <a:gd name="connsiteY0" fmla="*/ 0 h 2902407"/>
+              <a:gd name="connsiteX1" fmla="*/ 1828958 w 1828958"/>
+              <a:gd name="connsiteY1" fmla="*/ 2902407 h 2902407"/>
+              <a:gd name="connsiteX2" fmla="*/ 1709896 w 1828958"/>
+              <a:gd name="connsiteY2" fmla="*/ 2902407 h 2902407"/>
+              <a:gd name="connsiteX3" fmla="*/ 0 w 1828958"/>
+              <a:gd name="connsiteY3" fmla="*/ 63474 h 2902407"/>
+            </a:gdLst>
+            <a:ahLst/>
+            <a:cxnLst>
+              <a:cxn ang="0">
+                <a:pos x="connsiteX0" y="connsiteY0"/>
+              </a:cxn>
+              <a:cxn ang="0">
+                <a:pos x="connsiteX1" y="connsiteY1"/>
+              </a:cxn>
+              <a:cxn ang="0">
+                <a:pos x="connsiteX2" y="connsiteY2"/>
+              </a:cxn>
+              <a:cxn ang="0">
+                <a:pos x="connsiteX3" y="connsiteY3"/>
+              </a:cxn>
+            </a:cxnLst>
+            <a:rect l="l" t="t" r="r" b="b"/>
+            <a:pathLst>
+              <a:path w="1828958" h="2902407">
+                <a:moveTo>
+                  <a:pt x="0" y="0"/>
+                </a:moveTo>
+                <a:lnTo>
+                  <a:pt x="1828958" y="2902407"/>
+                </a:lnTo>
+                <a:lnTo>
+                  <a:pt x="1709896" y="2902407"/>
+                </a:lnTo>
+                <a:lnTo>
+                  <a:pt x="0" y="63474"/>
+                </a:lnTo>
+                <a:close/>
+              </a:path>
+            </a:pathLst>
+          </a:custGeom>
+          <a:solidFill>
+            <a:srgbClr val="262626"/>
+          </a:solidFill>
+          <a:ln>
+            <a:noFill/>
+          </a:ln>
+        </p:spPr>
+      </p:sp>
+      <p:sp>
+        <p:nvSpPr>
+          <p:cNvPr id="21" name="Freeform: Shape 20">
+            <a:extLst>
+              <a:ext uri="{FF2B5EF4-FFF2-40B4-BE49-F238E27FC236}">
+                <a16:creationId xmlns:a16="http://schemas.microsoft.com/office/drawing/2014/main" id="{40761ECD-D92B-46AE-82CA-640023D282F9}"/>
+              </a:ext>
+              <a:ext uri="{C183D7F6-B498-43B3-948B-1728B52AA6E4}">
+                <adec:decorative xmlns:adec="http://schemas.microsoft.com/office/drawing/2017/decorative" val="1"/>
+              </a:ext>
+            </a:extLst>
+          </p:cNvPr>
+          <p:cNvSpPr>
+            <a:spLocks noGrp="1" noRot="1" noChangeAspect="1" noMove="1" noResize="1" noEditPoints="1" noAdjustHandles="1" noChangeArrowheads="1" noChangeShapeType="1" noTextEdit="1"/>
+          </p:cNvSpPr>
+          <p:nvPr>
+            <p:extLst>
+              <p:ext uri="{386F3935-93C4-4BCD-93E2-E3B085C9AB24}">
+                <p16:designElem xmlns:p16="http://schemas.microsoft.com/office/powerpoint/2015/main" val="1"/>
+              </p:ext>
+            </p:extLst>
+          </p:nvPr>
+        </p:nvSpPr>
+        <p:spPr bwMode="auto">
+          <a:xfrm>
+            <a:off x="1" y="3220098"/>
+            <a:ext cx="2910045" cy="3637903"/>
+          </a:xfrm>
+          <a:custGeom>
+            <a:avLst/>
+            <a:gdLst>
+              <a:gd name="connsiteX0" fmla="*/ 0 w 2910045"/>
+              <a:gd name="connsiteY0" fmla="*/ 0 h 3637903"/>
+              <a:gd name="connsiteX1" fmla="*/ 2910045 w 2910045"/>
+              <a:gd name="connsiteY1" fmla="*/ 3637903 h 3637903"/>
+              <a:gd name="connsiteX2" fmla="*/ 2786220 w 2910045"/>
+              <a:gd name="connsiteY2" fmla="*/ 3637903 h 3637903"/>
+              <a:gd name="connsiteX3" fmla="*/ 0 w 2910045"/>
+              <a:gd name="connsiteY3" fmla="*/ 20366 h 3637903"/>
+            </a:gdLst>
+            <a:ahLst/>
+            <a:cxnLst>
+              <a:cxn ang="0">
+                <a:pos x="connsiteX0" y="connsiteY0"/>
+              </a:cxn>
+              <a:cxn ang="0">
+                <a:pos x="connsiteX1" y="connsiteY1"/>
+              </a:cxn>
+              <a:cxn ang="0">
+                <a:pos x="connsiteX2" y="connsiteY2"/>
+              </a:cxn>
+              <a:cxn ang="0">
+                <a:pos x="connsiteX3" y="connsiteY3"/>
+              </a:cxn>
+            </a:cxnLst>
+            <a:rect l="l" t="t" r="r" b="b"/>
+            <a:pathLst>
+              <a:path w="2910045" h="3637903">
+                <a:moveTo>
+                  <a:pt x="0" y="0"/>
+                </a:moveTo>
+                <a:lnTo>
+                  <a:pt x="2910045" y="3637903"/>
+                </a:lnTo>
+                <a:lnTo>
+                  <a:pt x="2786220" y="3637903"/>
+                </a:lnTo>
+                <a:lnTo>
+                  <a:pt x="0" y="20366"/>
+                </a:lnTo>
+                <a:close/>
+              </a:path>
+            </a:pathLst>
+          </a:custGeom>
+          <a:solidFill>
+            <a:schemeClr val="accent1">
+              <a:lumMod val="50000"/>
+            </a:schemeClr>
+          </a:solidFill>
+          <a:ln>
+            <a:noFill/>
+          </a:ln>
+        </p:spPr>
+      </p:sp>
+      <p:sp>
+        <p:nvSpPr>
+          <p:cNvPr id="23" name="Freeform: Shape 22">
+            <a:extLst>
+              <a:ext uri="{FF2B5EF4-FFF2-40B4-BE49-F238E27FC236}">
+                <a16:creationId xmlns:a16="http://schemas.microsoft.com/office/drawing/2014/main" id="{9A928607-C55C-40FD-B2DF-6CD6A7226A71}"/>
+              </a:ext>
+              <a:ext uri="{C183D7F6-B498-43B3-948B-1728B52AA6E4}">
+                <adec:decorative xmlns:adec="http://schemas.microsoft.com/office/drawing/2017/decorative" val="1"/>
+              </a:ext>
+            </a:extLst>
+          </p:cNvPr>
+          <p:cNvSpPr>
+            <a:spLocks noGrp="1" noRot="1" noChangeAspect="1" noMove="1" noResize="1" noEditPoints="1" noAdjustHandles="1" noChangeArrowheads="1" noChangeShapeType="1" noTextEdit="1"/>
+          </p:cNvSpPr>
+          <p:nvPr>
+            <p:extLst>
+              <p:ext uri="{386F3935-93C4-4BCD-93E2-E3B085C9AB24}">
+                <p16:designElem xmlns:p16="http://schemas.microsoft.com/office/powerpoint/2015/main" val="1"/>
+              </p:ext>
+            </p:extLst>
+          </p:nvPr>
+        </p:nvSpPr>
+        <p:spPr bwMode="auto">
+          <a:xfrm>
+            <a:off x="1" y="2845509"/>
+            <a:ext cx="4149883" cy="4012491"/>
+          </a:xfrm>
+          <a:custGeom>
+            <a:avLst/>
+            <a:gdLst>
+              <a:gd name="connsiteX0" fmla="*/ 0 w 4149883"/>
+              <a:gd name="connsiteY0" fmla="*/ 0 h 4012491"/>
+              <a:gd name="connsiteX1" fmla="*/ 4149883 w 4149883"/>
+              <a:gd name="connsiteY1" fmla="*/ 4012491 h 4012491"/>
+              <a:gd name="connsiteX2" fmla="*/ 2910046 w 4149883"/>
+              <a:gd name="connsiteY2" fmla="*/ 4012491 h 4012491"/>
+              <a:gd name="connsiteX3" fmla="*/ 0 w 4149883"/>
+              <a:gd name="connsiteY3" fmla="*/ 374587 h 4012491"/>
+            </a:gdLst>
+            <a:ahLst/>
+            <a:cxnLst>
+              <a:cxn ang="0">
+                <a:pos x="connsiteX0" y="connsiteY0"/>
+              </a:cxn>
+              <a:cxn ang="0">
+                <a:pos x="connsiteX1" y="connsiteY1"/>
+              </a:cxn>
+              <a:cxn ang="0">
+                <a:pos x="connsiteX2" y="connsiteY2"/>
+              </a:cxn>
+              <a:cxn ang="0">
+                <a:pos x="connsiteX3" y="connsiteY3"/>
+              </a:cxn>
+            </a:cxnLst>
+            <a:rect l="l" t="t" r="r" b="b"/>
+            <a:pathLst>
+              <a:path w="4149883" h="4012491">
+                <a:moveTo>
+                  <a:pt x="0" y="0"/>
+                </a:moveTo>
+                <a:lnTo>
+                  <a:pt x="4149883" y="4012491"/>
+                </a:lnTo>
+                <a:lnTo>
+                  <a:pt x="2910046" y="4012491"/>
+                </a:lnTo>
+                <a:lnTo>
+                  <a:pt x="0" y="374587"/>
+                </a:lnTo>
+                <a:close/>
+              </a:path>
+            </a:pathLst>
+          </a:custGeom>
+          <a:solidFill>
+            <a:schemeClr val="accent1">
+              <a:lumMod val="75000"/>
+            </a:schemeClr>
+          </a:solidFill>
+          <a:ln>
+            <a:noFill/>
+          </a:ln>
+        </p:spPr>
+      </p:sp>
+      <p:sp>
+        <p:nvSpPr>
+          <p:cNvPr id="25" name="Freeform: Shape 24">
+            <a:extLst>
+              <a:ext uri="{FF2B5EF4-FFF2-40B4-BE49-F238E27FC236}">
+                <a16:creationId xmlns:a16="http://schemas.microsoft.com/office/drawing/2014/main" id="{400A20C1-29A4-43E0-AB15-7931F76F8C2D}"/>
+              </a:ext>
+              <a:ext uri="{C183D7F6-B498-43B3-948B-1728B52AA6E4}">
+                <adec:decorative xmlns:adec="http://schemas.microsoft.com/office/drawing/2017/decorative" val="1"/>
+              </a:ext>
+            </a:extLst>
+          </p:cNvPr>
+          <p:cNvSpPr>
+            <a:spLocks noGrp="1" noRot="1" noChangeAspect="1" noMove="1" noResize="1" noEditPoints="1" noAdjustHandles="1" noChangeArrowheads="1" noChangeShapeType="1" noTextEdit="1"/>
+          </p:cNvSpPr>
+          <p:nvPr>
+            <p:extLst>
+              <p:ext uri="{386F3935-93C4-4BCD-93E2-E3B085C9AB24}">
+                <p16:designElem xmlns:p16="http://schemas.microsoft.com/office/powerpoint/2015/main" val="1"/>
+              </p:ext>
+            </p:extLst>
+          </p:nvPr>
+        </p:nvSpPr>
+        <p:spPr bwMode="auto">
+          <a:xfrm>
+            <a:off x="0" y="3332410"/>
+            <a:ext cx="2719546" cy="3525590"/>
+          </a:xfrm>
+          <a:custGeom>
+            <a:avLst/>
+            <a:gdLst>
+              <a:gd name="connsiteX0" fmla="*/ 0 w 2719546"/>
+              <a:gd name="connsiteY0" fmla="*/ 0 h 3525590"/>
+              <a:gd name="connsiteX1" fmla="*/ 2719546 w 2719546"/>
+              <a:gd name="connsiteY1" fmla="*/ 3525590 h 3525590"/>
+              <a:gd name="connsiteX2" fmla="*/ 1828959 w 2719546"/>
+              <a:gd name="connsiteY2" fmla="*/ 3525590 h 3525590"/>
+              <a:gd name="connsiteX3" fmla="*/ 0 w 2719546"/>
+              <a:gd name="connsiteY3" fmla="*/ 623183 h 3525590"/>
+            </a:gdLst>
+            <a:ahLst/>
+            <a:cxnLst>
+              <a:cxn ang="0">
+                <a:pos x="connsiteX0" y="connsiteY0"/>
+              </a:cxn>
+              <a:cxn ang="0">
+                <a:pos x="connsiteX1" y="connsiteY1"/>
+              </a:cxn>
+              <a:cxn ang="0">
+                <a:pos x="connsiteX2" y="connsiteY2"/>
+              </a:cxn>
+              <a:cxn ang="0">
+                <a:pos x="connsiteX3" y="connsiteY3"/>
+              </a:cxn>
+            </a:cxnLst>
+            <a:rect l="l" t="t" r="r" b="b"/>
+            <a:pathLst>
+              <a:path w="2719546" h="3525590">
+                <a:moveTo>
+                  <a:pt x="0" y="0"/>
+                </a:moveTo>
+                <a:lnTo>
+                  <a:pt x="2719546" y="3525590"/>
+                </a:lnTo>
+                <a:lnTo>
+                  <a:pt x="1828959" y="3525590"/>
+                </a:lnTo>
+                <a:lnTo>
+                  <a:pt x="0" y="623183"/>
+                </a:lnTo>
+                <a:close/>
+              </a:path>
+            </a:pathLst>
+          </a:custGeom>
+          <a:solidFill>
+            <a:srgbClr val="404040"/>
+          </a:solidFill>
+          <a:ln>
+            <a:noFill/>
+          </a:ln>
+        </p:spPr>
+      </p:sp>
+      <p:sp>
+        <p:nvSpPr>
+          <p:cNvPr id="4" name="Title 3">
+            <a:extLst>
+              <a:ext uri="{FF2B5EF4-FFF2-40B4-BE49-F238E27FC236}">
+                <a16:creationId xmlns:a16="http://schemas.microsoft.com/office/drawing/2014/main" id="{736A2FBF-3190-499D-8350-35FA98F1CEAC}"/>
+              </a:ext>
+            </a:extLst>
+          </p:cNvPr>
+          <p:cNvSpPr>
+            <a:spLocks noGrp="1"/>
+          </p:cNvSpPr>
+          <p:nvPr>
+            <p:ph type="title"/>
+          </p:nvPr>
+        </p:nvSpPr>
+        <p:spPr>
+          <a:xfrm>
+            <a:off x="1524000" y="643468"/>
+            <a:ext cx="9144000" cy="3618898"/>
+          </a:xfrm>
+        </p:spPr>
+        <p:txBody>
+          <a:bodyPr vert="horz" lIns="91440" tIns="45720" rIns="91440" bIns="45720" rtlCol="0" anchor="b">
+            <a:normAutofit/>
+          </a:bodyPr>
+          <a:lstStyle/>
+          <a:p>
+            <a:r>
+              <a:rPr lang="en-US" dirty="0">
+                <a:hlinkClick r:id="rId3"/>
+              </a:rPr>
+              <a:t>https://www.microsoftazurepass.com/</a:t>
+            </a:r>
+            <a:endParaRPr lang="en-US" dirty="0"/>
+          </a:p>
+        </p:txBody>
+      </p:sp>
+    </p:spTree>
+    <p:extLst>
+      <p:ext uri="{BB962C8B-B14F-4D97-AF65-F5344CB8AC3E}">
+        <p14:creationId xmlns:p14="http://schemas.microsoft.com/office/powerpoint/2010/main" val="266622799"/>
+      </p:ext>
+    </p:extLst>
+  </p:cSld>
+  <p:clrMapOvr>
+    <a:masterClrMapping/>
+  </p:clrMapOvr>
+</p:sld>
+</file>
+
+<file path=ppt/slides/slide5.xml><?xml version="1.0" encoding="utf-8"?>
+<p:sld xmlns:a="http://schemas.openxmlformats.org/drawingml/2006/main" xmlns:r="http://schemas.openxmlformats.org/officeDocument/2006/relationships" xmlns:p="http://schemas.openxmlformats.org/presentationml/2006/main">
+  <p:cSld>
+    <p:bg>
+      <p:bgPr>
+        <a:blipFill rotWithShape="1">
+          <a:blip r:embed="rId2">
+            <a:duotone>
+              <a:schemeClr val="bg2">
+                <a:shade val="76000"/>
+                <a:satMod val="180000"/>
+              </a:schemeClr>
+              <a:schemeClr val="bg2">
+                <a:tint val="80000"/>
+                <a:satMod val="120000"/>
+                <a:lumMod val="180000"/>
+              </a:schemeClr>
+            </a:duotone>
+          </a:blip>
+          <a:stretch/>
+        </a:blipFill>
+        <a:effectLst/>
+      </p:bgPr>
+    </p:bg>
+    <p:spTree>
+      <p:nvGrpSpPr>
+        <p:cNvPr id="1" name=""/>
+        <p:cNvGrpSpPr/>
+        <p:nvPr/>
+      </p:nvGrpSpPr>
+      <p:grpSpPr>
+        <a:xfrm>
+          <a:off x="0" y="0"/>
+          <a:ext cx="0" cy="0"/>
+          <a:chOff x="0" y="0"/>
+          <a:chExt cx="0" cy="0"/>
+        </a:xfrm>
+      </p:grpSpPr>
+      <p:grpSp>
+        <p:nvGrpSpPr>
           <p:cNvPr id="73" name="Group 72">
             <a:extLst>
               <a:ext uri="{FF2B5EF4-FFF2-40B4-BE49-F238E27FC236}">
@@ -13528,7 +14643,7 @@
 </p:sld>
 </file>
 
-<file path=ppt/slides/slide5.xml><?xml version="1.0" encoding="utf-8"?>
+<file path=ppt/slides/slide6.xml><?xml version="1.0" encoding="utf-8"?>
 <p:sld xmlns:a="http://schemas.openxmlformats.org/drawingml/2006/main" xmlns:r="http://schemas.openxmlformats.org/officeDocument/2006/relationships" xmlns:p="http://schemas.openxmlformats.org/presentationml/2006/main">
   <p:cSld>
     <p:bg>
@@ -14493,7 +15608,7 @@
 </p:sld>
 </file>
 
-<file path=ppt/slides/slide6.xml><?xml version="1.0" encoding="utf-8"?>
+<file path=ppt/slides/slide7.xml><?xml version="1.0" encoding="utf-8"?>
 <p:sld xmlns:a="http://schemas.openxmlformats.org/drawingml/2006/main" xmlns:r="http://schemas.openxmlformats.org/officeDocument/2006/relationships" xmlns:p="http://schemas.openxmlformats.org/presentationml/2006/main">
   <p:cSld>
     <p:bg>
@@ -15376,7 +16491,7 @@
 </p:sld>
 </file>
 
-<file path=ppt/slides/slide7.xml><?xml version="1.0" encoding="utf-8"?>
+<file path=ppt/slides/slide8.xml><?xml version="1.0" encoding="utf-8"?>
 <p:sld xmlns:a="http://schemas.openxmlformats.org/drawingml/2006/main" xmlns:r="http://schemas.openxmlformats.org/officeDocument/2006/relationships" xmlns:p="http://schemas.openxmlformats.org/presentationml/2006/main">
   <p:cSld>
     <p:bg>
@@ -16259,7 +17374,7 @@
 </p:sld>
 </file>
 
-<file path=ppt/slides/slide8.xml><?xml version="1.0" encoding="utf-8"?>
+<file path=ppt/slides/slide9.xml><?xml version="1.0" encoding="utf-8"?>
 <p:sld xmlns:a="http://schemas.openxmlformats.org/drawingml/2006/main" xmlns:r="http://schemas.openxmlformats.org/officeDocument/2006/relationships" xmlns:p="http://schemas.openxmlformats.org/presentationml/2006/main">
   <p:cSld>
     <p:bg>
@@ -16896,229 +18011,6 @@
     <p:extLst>
       <p:ext uri="{BB962C8B-B14F-4D97-AF65-F5344CB8AC3E}">
         <p14:creationId xmlns:p14="http://schemas.microsoft.com/office/powerpoint/2010/main" val="2244869317"/>
-      </p:ext>
-    </p:extLst>
-  </p:cSld>
-  <p:clrMapOvr>
-    <a:masterClrMapping/>
-  </p:clrMapOvr>
-</p:sld>
-</file>
-
-<file path=ppt/slides/slide9.xml><?xml version="1.0" encoding="utf-8"?>
-<p:sld xmlns:a="http://schemas.openxmlformats.org/drawingml/2006/main" xmlns:r="http://schemas.openxmlformats.org/officeDocument/2006/relationships" xmlns:p="http://schemas.openxmlformats.org/presentationml/2006/main">
-  <p:cSld>
-    <p:bg>
-      <p:bgPr>
-        <a:blipFill rotWithShape="1">
-          <a:blip r:embed="rId2">
-            <a:duotone>
-              <a:schemeClr val="bg2">
-                <a:shade val="76000"/>
-                <a:satMod val="180000"/>
-              </a:schemeClr>
-              <a:schemeClr val="bg2">
-                <a:tint val="80000"/>
-                <a:satMod val="120000"/>
-                <a:lumMod val="180000"/>
-              </a:schemeClr>
-            </a:duotone>
-          </a:blip>
-          <a:stretch/>
-        </a:blipFill>
-        <a:effectLst/>
-      </p:bgPr>
-    </p:bg>
-    <p:spTree>
-      <p:nvGrpSpPr>
-        <p:cNvPr id="1" name=""/>
-        <p:cNvGrpSpPr/>
-        <p:nvPr/>
-      </p:nvGrpSpPr>
-      <p:grpSpPr>
-        <a:xfrm>
-          <a:off x="0" y="0"/>
-          <a:ext cx="0" cy="0"/>
-          <a:chOff x="0" y="0"/>
-          <a:chExt cx="0" cy="0"/>
-        </a:xfrm>
-      </p:grpSpPr>
-      <p:sp>
-        <p:nvSpPr>
-          <p:cNvPr id="71" name="Rectangle 70">
-            <a:extLst>
-              <a:ext uri="{FF2B5EF4-FFF2-40B4-BE49-F238E27FC236}">
-                <a16:creationId xmlns:a16="http://schemas.microsoft.com/office/drawing/2014/main" id="{7FF78026-DEBB-4D5A-9A4E-872456603835}"/>
-              </a:ext>
-              <a:ext uri="{C183D7F6-B498-43B3-948B-1728B52AA6E4}">
-                <adec:decorative xmlns:adec="http://schemas.microsoft.com/office/drawing/2017/decorative" val="1"/>
-              </a:ext>
-            </a:extLst>
-          </p:cNvPr>
-          <p:cNvSpPr>
-            <a:spLocks noGrp="1" noRot="1" noChangeAspect="1" noMove="1" noResize="1" noEditPoints="1" noAdjustHandles="1" noChangeArrowheads="1" noChangeShapeType="1" noTextEdit="1"/>
-          </p:cNvSpPr>
-          <p:nvPr>
-            <p:extLst>
-              <p:ext uri="{386F3935-93C4-4BCD-93E2-E3B085C9AB24}">
-                <p16:designElem xmlns:p16="http://schemas.microsoft.com/office/powerpoint/2015/main" val="1"/>
-              </p:ext>
-            </p:extLst>
-          </p:nvPr>
-        </p:nvSpPr>
-        <p:spPr>
-          <a:xfrm>
-            <a:off x="0" y="0"/>
-            <a:ext cx="12192000" cy="6858000"/>
-          </a:xfrm>
-          <a:prstGeom prst="rect">
-            <a:avLst/>
-          </a:prstGeom>
-          <a:solidFill>
-            <a:srgbClr val="475A6E"/>
-          </a:solidFill>
-          <a:ln>
-            <a:noFill/>
-          </a:ln>
-        </p:spPr>
-        <p:style>
-          <a:lnRef idx="2">
-            <a:schemeClr val="accent1">
-              <a:shade val="50000"/>
-            </a:schemeClr>
-          </a:lnRef>
-          <a:fillRef idx="1">
-            <a:schemeClr val="accent1"/>
-          </a:fillRef>
-          <a:effectRef idx="0">
-            <a:schemeClr val="accent1"/>
-          </a:effectRef>
-          <a:fontRef idx="minor">
-            <a:schemeClr val="lt1"/>
-          </a:fontRef>
-        </p:style>
-        <p:txBody>
-          <a:bodyPr rtlCol="0" anchor="ctr"/>
-          <a:lstStyle/>
-          <a:p>
-            <a:pPr algn="ctr"/>
-            <a:endParaRPr lang="en-US"/>
-          </a:p>
-        </p:txBody>
-      </p:sp>
-      <p:sp>
-        <p:nvSpPr>
-          <p:cNvPr id="73" name="Rectangle 72">
-            <a:extLst>
-              <a:ext uri="{FF2B5EF4-FFF2-40B4-BE49-F238E27FC236}">
-                <a16:creationId xmlns:a16="http://schemas.microsoft.com/office/drawing/2014/main" id="{E05E1684-CF44-4EAD-B3A4-FCE98461F3EE}"/>
-              </a:ext>
-              <a:ext uri="{C183D7F6-B498-43B3-948B-1728B52AA6E4}">
-                <adec:decorative xmlns:adec="http://schemas.microsoft.com/office/drawing/2017/decorative" val="1"/>
-              </a:ext>
-            </a:extLst>
-          </p:cNvPr>
-          <p:cNvSpPr>
-            <a:spLocks noGrp="1" noRot="1" noChangeAspect="1" noMove="1" noResize="1" noEditPoints="1" noAdjustHandles="1" noChangeArrowheads="1" noChangeShapeType="1" noTextEdit="1"/>
-          </p:cNvSpPr>
-          <p:nvPr>
-            <p:extLst>
-              <p:ext uri="{386F3935-93C4-4BCD-93E2-E3B085C9AB24}">
-                <p16:designElem xmlns:p16="http://schemas.microsoft.com/office/powerpoint/2015/main" val="1"/>
-              </p:ext>
-            </p:extLst>
-          </p:nvPr>
-        </p:nvSpPr>
-        <p:spPr>
-          <a:xfrm>
-            <a:off x="477012" y="480060"/>
-            <a:ext cx="11237976" cy="5897880"/>
-          </a:xfrm>
-          <a:prstGeom prst="rect">
-            <a:avLst/>
-          </a:prstGeom>
-          <a:solidFill>
-            <a:srgbClr val="FFFFFF"/>
-          </a:solidFill>
-          <a:ln>
-            <a:noFill/>
-          </a:ln>
-        </p:spPr>
-        <p:style>
-          <a:lnRef idx="2">
-            <a:schemeClr val="accent1">
-              <a:shade val="50000"/>
-            </a:schemeClr>
-          </a:lnRef>
-          <a:fillRef idx="1">
-            <a:schemeClr val="accent1"/>
-          </a:fillRef>
-          <a:effectRef idx="0">
-            <a:schemeClr val="accent1"/>
-          </a:effectRef>
-          <a:fontRef idx="minor">
-            <a:schemeClr val="lt1"/>
-          </a:fontRef>
-        </p:style>
-        <p:txBody>
-          <a:bodyPr rtlCol="0" anchor="ctr"/>
-          <a:lstStyle/>
-          <a:p>
-            <a:pPr algn="ctr"/>
-            <a:endParaRPr lang="en-US"/>
-          </a:p>
-        </p:txBody>
-      </p:sp>
-      <p:pic>
-        <p:nvPicPr>
-          <p:cNvPr id="4098" name="Picture 2" descr="Znalezione obrazy dla zapytania what is docker">
-            <a:extLst>
-              <a:ext uri="{FF2B5EF4-FFF2-40B4-BE49-F238E27FC236}">
-                <a16:creationId xmlns:a16="http://schemas.microsoft.com/office/drawing/2014/main" id="{DF0121BF-1A6F-4566-9236-0AB618967B2D}"/>
-              </a:ext>
-            </a:extLst>
-          </p:cNvPr>
-          <p:cNvPicPr>
-            <a:picLocks noChangeAspect="1" noChangeArrowheads="1"/>
-          </p:cNvPicPr>
-          <p:nvPr/>
-        </p:nvPicPr>
-        <p:blipFill>
-          <a:blip r:embed="rId3">
-            <a:extLst>
-              <a:ext uri="{28A0092B-C50C-407E-A947-70E740481C1C}">
-                <a14:useLocalDpi xmlns:a14="http://schemas.microsoft.com/office/drawing/2010/main" val="0"/>
-              </a:ext>
-            </a:extLst>
-          </a:blip>
-          <a:stretch>
-            <a:fillRect/>
-          </a:stretch>
-        </p:blipFill>
-        <p:spPr bwMode="auto">
-          <a:xfrm>
-            <a:off x="2875730" y="643467"/>
-            <a:ext cx="6440539" cy="5571066"/>
-          </a:xfrm>
-          <a:prstGeom prst="rect">
-            <a:avLst/>
-          </a:prstGeom>
-          <a:noFill/>
-          <a:extLst>
-            <a:ext uri="{909E8E84-426E-40DD-AFC4-6F175D3DCCD1}">
-              <a14:hiddenFill xmlns:a14="http://schemas.microsoft.com/office/drawing/2010/main">
-                <a:solidFill>
-                  <a:srgbClr val="FFFFFF"/>
-                </a:solidFill>
-              </a14:hiddenFill>
-            </a:ext>
-          </a:extLst>
-        </p:spPr>
-      </p:pic>
-    </p:spTree>
-    <p:extLst>
-      <p:ext uri="{BB962C8B-B14F-4D97-AF65-F5344CB8AC3E}">
-        <p14:creationId xmlns:p14="http://schemas.microsoft.com/office/powerpoint/2010/main" val="1796191915"/>
       </p:ext>
     </p:extLst>
   </p:cSld>

--- a/Azure Kubernetes Service.pptx
+++ b/Azure Kubernetes Service.pptx
@@ -21,7 +21,8 @@
     <p:sldId id="302" r:id="rId15"/>
     <p:sldId id="303" r:id="rId16"/>
     <p:sldId id="304" r:id="rId17"/>
-    <p:sldId id="305" r:id="rId18"/>
+    <p:sldId id="307" r:id="rId18"/>
+    <p:sldId id="305" r:id="rId19"/>
   </p:sldIdLst>
   <p:sldSz cx="12192000" cy="6858000"/>
   <p:notesSz cx="6858000" cy="9144000"/>
@@ -631,7 +632,7 @@
             <a:fld id="{B61BEF0D-F0BB-DE4B-95CE-6DB70DBA9567}" type="datetimeFigureOut">
               <a:rPr lang="en-US" dirty="0"/>
               <a:pPr/>
-              <a:t>12/5/2019</a:t>
+              <a:t>2/24/2020</a:t>
             </a:fld>
             <a:endParaRPr lang="en-US" dirty="0"/>
           </a:p>
@@ -924,7 +925,7 @@
             <a:fld id="{B61BEF0D-F0BB-DE4B-95CE-6DB70DBA9567}" type="datetimeFigureOut">
               <a:rPr lang="en-US" dirty="0"/>
               <a:pPr/>
-              <a:t>12/5/2019</a:t>
+              <a:t>2/24/2020</a:t>
             </a:fld>
             <a:endParaRPr lang="en-US" dirty="0"/>
           </a:p>
@@ -1169,7 +1170,7 @@
             <a:fld id="{B61BEF0D-F0BB-DE4B-95CE-6DB70DBA9567}" type="datetimeFigureOut">
               <a:rPr lang="en-US" dirty="0"/>
               <a:pPr/>
-              <a:t>12/5/2019</a:t>
+              <a:t>2/24/2020</a:t>
             </a:fld>
             <a:endParaRPr lang="en-US" dirty="0"/>
           </a:p>
@@ -1706,7 +1707,7 @@
             <a:fld id="{B61BEF0D-F0BB-DE4B-95CE-6DB70DBA9567}" type="datetimeFigureOut">
               <a:rPr lang="en-US" dirty="0"/>
               <a:pPr/>
-              <a:t>12/5/2019</a:t>
+              <a:t>2/24/2020</a:t>
             </a:fld>
             <a:endParaRPr lang="en-US" dirty="0"/>
           </a:p>
@@ -1951,7 +1952,7 @@
             <a:fld id="{B61BEF0D-F0BB-DE4B-95CE-6DB70DBA9567}" type="datetimeFigureOut">
               <a:rPr lang="en-US" dirty="0"/>
               <a:pPr/>
-              <a:t>12/5/2019</a:t>
+              <a:t>2/24/2020</a:t>
             </a:fld>
             <a:endParaRPr lang="en-US" dirty="0"/>
           </a:p>
@@ -2480,7 +2481,7 @@
             <a:fld id="{B61BEF0D-F0BB-DE4B-95CE-6DB70DBA9567}" type="datetimeFigureOut">
               <a:rPr lang="en-US" dirty="0"/>
               <a:pPr/>
-              <a:t>12/5/2019</a:t>
+              <a:t>2/24/2020</a:t>
             </a:fld>
             <a:endParaRPr lang="en-US" dirty="0"/>
           </a:p>
@@ -2774,7 +2775,7 @@
             <a:fld id="{B61BEF0D-F0BB-DE4B-95CE-6DB70DBA9567}" type="datetimeFigureOut">
               <a:rPr lang="en-US" dirty="0"/>
               <a:pPr/>
-              <a:t>12/5/2019</a:t>
+              <a:t>2/24/2020</a:t>
             </a:fld>
             <a:endParaRPr lang="en-US" dirty="0"/>
           </a:p>
@@ -2945,7 +2946,7 @@
             <a:fld id="{B61BEF0D-F0BB-DE4B-95CE-6DB70DBA9567}" type="datetimeFigureOut">
               <a:rPr lang="en-US" dirty="0"/>
               <a:pPr/>
-              <a:t>12/5/2019</a:t>
+              <a:t>2/24/2020</a:t>
             </a:fld>
             <a:endParaRPr lang="en-US" dirty="0"/>
           </a:p>
@@ -3122,7 +3123,7 @@
             <a:fld id="{B61BEF0D-F0BB-DE4B-95CE-6DB70DBA9567}" type="datetimeFigureOut">
               <a:rPr lang="en-US" dirty="0"/>
               <a:pPr/>
-              <a:t>12/5/2019</a:t>
+              <a:t>2/24/2020</a:t>
             </a:fld>
             <a:endParaRPr lang="en-US" dirty="0"/>
           </a:p>
@@ -3289,7 +3290,7 @@
             <a:fld id="{B61BEF0D-F0BB-DE4B-95CE-6DB70DBA9567}" type="datetimeFigureOut">
               <a:rPr lang="en-US" dirty="0"/>
               <a:pPr/>
-              <a:t>12/5/2019</a:t>
+              <a:t>2/24/2020</a:t>
             </a:fld>
             <a:endParaRPr lang="en-US" dirty="0"/>
           </a:p>
@@ -3537,7 +3538,7 @@
             <a:fld id="{B61BEF0D-F0BB-DE4B-95CE-6DB70DBA9567}" type="datetimeFigureOut">
               <a:rPr lang="en-US" dirty="0"/>
               <a:pPr/>
-              <a:t>12/5/2019</a:t>
+              <a:t>2/24/2020</a:t>
             </a:fld>
             <a:endParaRPr lang="en-US" dirty="0"/>
           </a:p>
@@ -3831,7 +3832,7 @@
             <a:fld id="{B61BEF0D-F0BB-DE4B-95CE-6DB70DBA9567}" type="datetimeFigureOut">
               <a:rPr lang="en-US" dirty="0"/>
               <a:pPr/>
-              <a:t>12/5/2019</a:t>
+              <a:t>2/24/2020</a:t>
             </a:fld>
             <a:endParaRPr lang="en-US" dirty="0"/>
           </a:p>
@@ -4270,7 +4271,7 @@
             <a:fld id="{B61BEF0D-F0BB-DE4B-95CE-6DB70DBA9567}" type="datetimeFigureOut">
               <a:rPr lang="en-US" dirty="0"/>
               <a:pPr/>
-              <a:t>12/5/2019</a:t>
+              <a:t>2/24/2020</a:t>
             </a:fld>
             <a:endParaRPr lang="en-US" dirty="0"/>
           </a:p>
@@ -4385,7 +4386,7 @@
             <a:fld id="{B61BEF0D-F0BB-DE4B-95CE-6DB70DBA9567}" type="datetimeFigureOut">
               <a:rPr lang="en-US" dirty="0"/>
               <a:pPr/>
-              <a:t>12/5/2019</a:t>
+              <a:t>2/24/2020</a:t>
             </a:fld>
             <a:endParaRPr lang="en-US" dirty="0"/>
           </a:p>
@@ -4477,7 +4478,7 @@
             <a:fld id="{B61BEF0D-F0BB-DE4B-95CE-6DB70DBA9567}" type="datetimeFigureOut">
               <a:rPr lang="en-US" dirty="0"/>
               <a:pPr/>
-              <a:t>12/5/2019</a:t>
+              <a:t>2/24/2020</a:t>
             </a:fld>
             <a:endParaRPr lang="en-US" dirty="0"/>
           </a:p>
@@ -4757,7 +4758,7 @@
             <a:fld id="{B61BEF0D-F0BB-DE4B-95CE-6DB70DBA9567}" type="datetimeFigureOut">
               <a:rPr lang="en-US" dirty="0"/>
               <a:pPr/>
-              <a:t>12/5/2019</a:t>
+              <a:t>2/24/2020</a:t>
             </a:fld>
             <a:endParaRPr lang="en-US" dirty="0"/>
           </a:p>
@@ -5045,7 +5046,7 @@
             <a:fld id="{B61BEF0D-F0BB-DE4B-95CE-6DB70DBA9567}" type="datetimeFigureOut">
               <a:rPr lang="en-US" dirty="0"/>
               <a:pPr/>
-              <a:t>12/5/2019</a:t>
+              <a:t>2/24/2020</a:t>
             </a:fld>
             <a:endParaRPr lang="en-US" dirty="0"/>
           </a:p>
@@ -5572,7 +5573,7 @@
             <a:fld id="{B61BEF0D-F0BB-DE4B-95CE-6DB70DBA9567}" type="datetimeFigureOut">
               <a:rPr lang="en-US" dirty="0"/>
               <a:pPr/>
-              <a:t>12/5/2019</a:t>
+              <a:t>2/24/2020</a:t>
             </a:fld>
             <a:endParaRPr lang="en-US" dirty="0"/>
           </a:p>
@@ -6185,7 +6186,7 @@
           <a:p>
             <a:r>
               <a:rPr lang="pl-PL" sz="1600" dirty="0"/>
-              <a:t>Kamil Mrzygłód, Microsoft, 2019</a:t>
+              <a:t>Kamil Mrzygłód, Microsoft, 2020</a:t>
             </a:r>
           </a:p>
         </p:txBody>
@@ -8765,8 +8766,44 @@
           <a:p>
             <a:pPr algn="r"/>
             <a:r>
-              <a:rPr lang="pl-PL" sz="3600"/>
-              <a:t>What do container give you?</a:t>
+              <a:rPr lang="pl-PL" sz="3600" dirty="0" err="1"/>
+              <a:t>What</a:t>
+            </a:r>
+            <a:r>
+              <a:rPr lang="pl-PL" sz="3600" dirty="0"/>
+              <a:t> </a:t>
+            </a:r>
+            <a:r>
+              <a:rPr lang="pl-PL" sz="3600" dirty="0" err="1"/>
+              <a:t>does</a:t>
+            </a:r>
+            <a:r>
+              <a:rPr lang="pl-PL" sz="3600" dirty="0"/>
+              <a:t> </a:t>
+            </a:r>
+            <a:r>
+              <a:rPr lang="pl-PL" sz="3600" dirty="0" err="1"/>
+              <a:t>container</a:t>
+            </a:r>
+            <a:r>
+              <a:rPr lang="pl-PL" sz="3600" dirty="0"/>
+              <a:t> </a:t>
+            </a:r>
+            <a:r>
+              <a:rPr lang="pl-PL" sz="3600" dirty="0" err="1"/>
+              <a:t>give</a:t>
+            </a:r>
+            <a:r>
+              <a:rPr lang="pl-PL" sz="3600" dirty="0"/>
+              <a:t> </a:t>
+            </a:r>
+            <a:r>
+              <a:rPr lang="pl-PL" sz="3600" dirty="0" err="1"/>
+              <a:t>you</a:t>
+            </a:r>
+            <a:r>
+              <a:rPr lang="pl-PL" sz="3600" dirty="0"/>
+              <a:t>?</a:t>
             </a:r>
           </a:p>
         </p:txBody>
@@ -10390,6 +10427,1130 @@
 </file>
 
 <file path=ppt/slides/slide17.xml><?xml version="1.0" encoding="utf-8"?>
+<p:sld xmlns:a="http://schemas.openxmlformats.org/drawingml/2006/main" xmlns:r="http://schemas.openxmlformats.org/officeDocument/2006/relationships" xmlns:p="http://schemas.openxmlformats.org/presentationml/2006/main">
+  <p:cSld>
+    <p:bg>
+      <p:bgPr>
+        <a:blipFill rotWithShape="1">
+          <a:blip r:embed="rId2">
+            <a:duotone>
+              <a:schemeClr val="bg2">
+                <a:shade val="76000"/>
+                <a:satMod val="180000"/>
+              </a:schemeClr>
+              <a:schemeClr val="bg2">
+                <a:tint val="80000"/>
+                <a:satMod val="120000"/>
+                <a:lumMod val="180000"/>
+              </a:schemeClr>
+            </a:duotone>
+          </a:blip>
+          <a:stretch/>
+        </a:blipFill>
+        <a:effectLst/>
+      </p:bgPr>
+    </p:bg>
+    <p:spTree>
+      <p:nvGrpSpPr>
+        <p:cNvPr id="1" name=""/>
+        <p:cNvGrpSpPr/>
+        <p:nvPr/>
+      </p:nvGrpSpPr>
+      <p:grpSpPr>
+        <a:xfrm>
+          <a:off x="0" y="0"/>
+          <a:ext cx="0" cy="0"/>
+          <a:chOff x="0" y="0"/>
+          <a:chExt cx="0" cy="0"/>
+        </a:xfrm>
+      </p:grpSpPr>
+      <p:grpSp>
+        <p:nvGrpSpPr>
+          <p:cNvPr id="71" name="Group 70">
+            <a:extLst>
+              <a:ext uri="{FF2B5EF4-FFF2-40B4-BE49-F238E27FC236}">
+                <a16:creationId xmlns:a16="http://schemas.microsoft.com/office/drawing/2014/main" id="{C616B3DC-C165-433D-9187-62DCC0E317D3}"/>
+              </a:ext>
+              <a:ext uri="{C183D7F6-B498-43B3-948B-1728B52AA6E4}">
+                <adec:decorative xmlns:adec="http://schemas.microsoft.com/office/drawing/2017/decorative" val="1"/>
+              </a:ext>
+            </a:extLst>
+          </p:cNvPr>
+          <p:cNvGrpSpPr>
+            <a:grpSpLocks noGrp="1" noUngrp="1" noRot="1" noChangeAspect="1" noMove="1" noResize="1"/>
+          </p:cNvGrpSpPr>
+          <p:nvPr>
+            <p:extLst>
+              <p:ext uri="{386F3935-93C4-4BCD-93E2-E3B085C9AB24}">
+                <p16:designElem xmlns:p16="http://schemas.microsoft.com/office/powerpoint/2015/main" val="1"/>
+              </p:ext>
+            </p:extLst>
+          </p:nvPr>
+        </p:nvGrpSpPr>
+        <p:grpSpPr>
+          <a:xfrm>
+            <a:off x="546100" y="-4763"/>
+            <a:ext cx="5014912" cy="6862763"/>
+            <a:chOff x="2928938" y="-4763"/>
+            <a:chExt cx="5014912" cy="6862763"/>
+          </a:xfrm>
+        </p:grpSpPr>
+        <p:sp>
+          <p:nvSpPr>
+            <p:cNvPr id="72" name="Freeform 6">
+              <a:extLst>
+                <a:ext uri="{FF2B5EF4-FFF2-40B4-BE49-F238E27FC236}">
+                  <a16:creationId xmlns:a16="http://schemas.microsoft.com/office/drawing/2014/main" id="{97E1BF84-9824-4B0E-98DF-F0F7181DD062}"/>
+                </a:ext>
+                <a:ext uri="{C183D7F6-B498-43B3-948B-1728B52AA6E4}">
+                  <adec:decorative xmlns:adec="http://schemas.microsoft.com/office/drawing/2017/decorative" val="1"/>
+                </a:ext>
+              </a:extLst>
+            </p:cNvPr>
+            <p:cNvSpPr/>
+            <p:nvPr>
+              <p:extLst>
+                <p:ext uri="{386F3935-93C4-4BCD-93E2-E3B085C9AB24}">
+                  <p16:designElem xmlns:p16="http://schemas.microsoft.com/office/powerpoint/2015/main" val="1"/>
+                </p:ext>
+              </p:extLst>
+            </p:nvPr>
+          </p:nvSpPr>
+          <p:spPr bwMode="auto">
+            <a:xfrm>
+              <a:off x="3367088" y="-4763"/>
+              <a:ext cx="1063625" cy="2782888"/>
+            </a:xfrm>
+            <a:custGeom>
+              <a:avLst/>
+              <a:gdLst/>
+              <a:ahLst/>
+              <a:cxnLst/>
+              <a:rect l="0" t="0" r="r" b="b"/>
+              <a:pathLst>
+                <a:path w="670" h="1753">
+                  <a:moveTo>
+                    <a:pt x="0" y="1696"/>
+                  </a:moveTo>
+                  <a:lnTo>
+                    <a:pt x="225" y="1753"/>
+                  </a:lnTo>
+                  <a:lnTo>
+                    <a:pt x="670" y="0"/>
+                  </a:lnTo>
+                  <a:lnTo>
+                    <a:pt x="430" y="0"/>
+                  </a:lnTo>
+                  <a:lnTo>
+                    <a:pt x="0" y="1696"/>
+                  </a:lnTo>
+                  <a:close/>
+                </a:path>
+              </a:pathLst>
+            </a:custGeom>
+            <a:solidFill>
+              <a:schemeClr val="accent1"/>
+            </a:solidFill>
+            <a:ln>
+              <a:noFill/>
+            </a:ln>
+          </p:spPr>
+        </p:sp>
+        <p:sp>
+          <p:nvSpPr>
+            <p:cNvPr id="73" name="Freeform 7">
+              <a:extLst>
+                <a:ext uri="{FF2B5EF4-FFF2-40B4-BE49-F238E27FC236}">
+                  <a16:creationId xmlns:a16="http://schemas.microsoft.com/office/drawing/2014/main" id="{A85FA340-7392-4303-9707-A12F45A46F96}"/>
+                </a:ext>
+                <a:ext uri="{C183D7F6-B498-43B3-948B-1728B52AA6E4}">
+                  <adec:decorative xmlns:adec="http://schemas.microsoft.com/office/drawing/2017/decorative" val="1"/>
+                </a:ext>
+              </a:extLst>
+            </p:cNvPr>
+            <p:cNvSpPr/>
+            <p:nvPr>
+              <p:extLst>
+                <p:ext uri="{386F3935-93C4-4BCD-93E2-E3B085C9AB24}">
+                  <p16:designElem xmlns:p16="http://schemas.microsoft.com/office/powerpoint/2015/main" val="1"/>
+                </p:ext>
+              </p:extLst>
+            </p:nvPr>
+          </p:nvSpPr>
+          <p:spPr bwMode="auto">
+            <a:xfrm>
+              <a:off x="2928938" y="-4763"/>
+              <a:ext cx="1035050" cy="2673350"/>
+            </a:xfrm>
+            <a:custGeom>
+              <a:avLst/>
+              <a:gdLst/>
+              <a:ahLst/>
+              <a:cxnLst/>
+              <a:rect l="0" t="0" r="r" b="b"/>
+              <a:pathLst>
+                <a:path w="652" h="1684">
+                  <a:moveTo>
+                    <a:pt x="225" y="1684"/>
+                  </a:moveTo>
+                  <a:lnTo>
+                    <a:pt x="652" y="0"/>
+                  </a:lnTo>
+                  <a:lnTo>
+                    <a:pt x="411" y="0"/>
+                  </a:lnTo>
+                  <a:lnTo>
+                    <a:pt x="0" y="1627"/>
+                  </a:lnTo>
+                  <a:lnTo>
+                    <a:pt x="219" y="1681"/>
+                  </a:lnTo>
+                  <a:lnTo>
+                    <a:pt x="225" y="1684"/>
+                  </a:lnTo>
+                  <a:close/>
+                </a:path>
+              </a:pathLst>
+            </a:custGeom>
+            <a:solidFill>
+              <a:schemeClr val="tx1">
+                <a:lumMod val="65000"/>
+                <a:lumOff val="35000"/>
+              </a:schemeClr>
+            </a:solidFill>
+            <a:ln>
+              <a:noFill/>
+            </a:ln>
+          </p:spPr>
+        </p:sp>
+        <p:sp>
+          <p:nvSpPr>
+            <p:cNvPr id="74" name="Freeform 9">
+              <a:extLst>
+                <a:ext uri="{FF2B5EF4-FFF2-40B4-BE49-F238E27FC236}">
+                  <a16:creationId xmlns:a16="http://schemas.microsoft.com/office/drawing/2014/main" id="{758A9051-2BD9-4868-8B84-344752FA2F60}"/>
+                </a:ext>
+                <a:ext uri="{C183D7F6-B498-43B3-948B-1728B52AA6E4}">
+                  <adec:decorative xmlns:adec="http://schemas.microsoft.com/office/drawing/2017/decorative" val="1"/>
+                </a:ext>
+              </a:extLst>
+            </p:cNvPr>
+            <p:cNvSpPr/>
+            <p:nvPr>
+              <p:extLst>
+                <p:ext uri="{386F3935-93C4-4BCD-93E2-E3B085C9AB24}">
+                  <p16:designElem xmlns:p16="http://schemas.microsoft.com/office/powerpoint/2015/main" val="1"/>
+                </p:ext>
+              </p:extLst>
+            </p:nvPr>
+          </p:nvSpPr>
+          <p:spPr bwMode="auto">
+            <a:xfrm>
+              <a:off x="2928938" y="2582862"/>
+              <a:ext cx="2693987" cy="4275138"/>
+            </a:xfrm>
+            <a:custGeom>
+              <a:avLst/>
+              <a:gdLst/>
+              <a:ahLst/>
+              <a:cxnLst/>
+              <a:rect l="0" t="0" r="r" b="b"/>
+              <a:pathLst>
+                <a:path w="1697" h="2693">
+                  <a:moveTo>
+                    <a:pt x="0" y="0"/>
+                  </a:moveTo>
+                  <a:lnTo>
+                    <a:pt x="1622" y="2693"/>
+                  </a:lnTo>
+                  <a:lnTo>
+                    <a:pt x="1697" y="2693"/>
+                  </a:lnTo>
+                  <a:lnTo>
+                    <a:pt x="0" y="0"/>
+                  </a:lnTo>
+                  <a:close/>
+                </a:path>
+              </a:pathLst>
+            </a:custGeom>
+            <a:solidFill>
+              <a:schemeClr val="tx1">
+                <a:lumMod val="85000"/>
+                <a:lumOff val="15000"/>
+              </a:schemeClr>
+            </a:solidFill>
+            <a:ln>
+              <a:noFill/>
+            </a:ln>
+          </p:spPr>
+        </p:sp>
+        <p:sp>
+          <p:nvSpPr>
+            <p:cNvPr id="75" name="Freeform 10">
+              <a:extLst>
+                <a:ext uri="{FF2B5EF4-FFF2-40B4-BE49-F238E27FC236}">
+                  <a16:creationId xmlns:a16="http://schemas.microsoft.com/office/drawing/2014/main" id="{58264C49-3539-4CBD-8F11-1106C8B8781F}"/>
+                </a:ext>
+                <a:ext uri="{C183D7F6-B498-43B3-948B-1728B52AA6E4}">
+                  <adec:decorative xmlns:adec="http://schemas.microsoft.com/office/drawing/2017/decorative" val="1"/>
+                </a:ext>
+              </a:extLst>
+            </p:cNvPr>
+            <p:cNvSpPr/>
+            <p:nvPr>
+              <p:extLst>
+                <p:ext uri="{386F3935-93C4-4BCD-93E2-E3B085C9AB24}">
+                  <p16:designElem xmlns:p16="http://schemas.microsoft.com/office/powerpoint/2015/main" val="1"/>
+                </p:ext>
+              </p:extLst>
+            </p:nvPr>
+          </p:nvSpPr>
+          <p:spPr bwMode="auto">
+            <a:xfrm>
+              <a:off x="3371850" y="2692400"/>
+              <a:ext cx="3332162" cy="4165600"/>
+            </a:xfrm>
+            <a:custGeom>
+              <a:avLst/>
+              <a:gdLst/>
+              <a:ahLst/>
+              <a:cxnLst/>
+              <a:rect l="0" t="0" r="r" b="b"/>
+              <a:pathLst>
+                <a:path w="2099" h="2624">
+                  <a:moveTo>
+                    <a:pt x="2099" y="2624"/>
+                  </a:moveTo>
+                  <a:lnTo>
+                    <a:pt x="0" y="0"/>
+                  </a:lnTo>
+                  <a:lnTo>
+                    <a:pt x="2021" y="2624"/>
+                  </a:lnTo>
+                  <a:lnTo>
+                    <a:pt x="2099" y="2624"/>
+                  </a:lnTo>
+                  <a:close/>
+                </a:path>
+              </a:pathLst>
+            </a:custGeom>
+            <a:solidFill>
+              <a:schemeClr val="accent1">
+                <a:lumMod val="50000"/>
+              </a:schemeClr>
+            </a:solidFill>
+            <a:ln>
+              <a:noFill/>
+            </a:ln>
+          </p:spPr>
+        </p:sp>
+        <p:sp>
+          <p:nvSpPr>
+            <p:cNvPr id="76" name="Freeform 11">
+              <a:extLst>
+                <a:ext uri="{FF2B5EF4-FFF2-40B4-BE49-F238E27FC236}">
+                  <a16:creationId xmlns:a16="http://schemas.microsoft.com/office/drawing/2014/main" id="{DE862133-5C7E-4B32-9786-0B33BC51A75B}"/>
+                </a:ext>
+                <a:ext uri="{C183D7F6-B498-43B3-948B-1728B52AA6E4}">
+                  <adec:decorative xmlns:adec="http://schemas.microsoft.com/office/drawing/2017/decorative" val="1"/>
+                </a:ext>
+              </a:extLst>
+            </p:cNvPr>
+            <p:cNvSpPr/>
+            <p:nvPr>
+              <p:extLst>
+                <p:ext uri="{386F3935-93C4-4BCD-93E2-E3B085C9AB24}">
+                  <p16:designElem xmlns:p16="http://schemas.microsoft.com/office/powerpoint/2015/main" val="1"/>
+                </p:ext>
+              </p:extLst>
+            </p:nvPr>
+          </p:nvSpPr>
+          <p:spPr bwMode="auto">
+            <a:xfrm>
+              <a:off x="3367088" y="2687637"/>
+              <a:ext cx="4576762" cy="4170363"/>
+            </a:xfrm>
+            <a:custGeom>
+              <a:avLst/>
+              <a:gdLst/>
+              <a:ahLst/>
+              <a:cxnLst/>
+              <a:rect l="0" t="0" r="r" b="b"/>
+              <a:pathLst>
+                <a:path w="2883" h="2627">
+                  <a:moveTo>
+                    <a:pt x="0" y="0"/>
+                  </a:moveTo>
+                  <a:lnTo>
+                    <a:pt x="3" y="3"/>
+                  </a:lnTo>
+                  <a:lnTo>
+                    <a:pt x="2102" y="2627"/>
+                  </a:lnTo>
+                  <a:lnTo>
+                    <a:pt x="2883" y="2627"/>
+                  </a:lnTo>
+                  <a:lnTo>
+                    <a:pt x="225" y="57"/>
+                  </a:lnTo>
+                  <a:lnTo>
+                    <a:pt x="0" y="0"/>
+                  </a:lnTo>
+                  <a:close/>
+                </a:path>
+              </a:pathLst>
+            </a:custGeom>
+            <a:solidFill>
+              <a:schemeClr val="accent1">
+                <a:lumMod val="75000"/>
+              </a:schemeClr>
+            </a:solidFill>
+            <a:ln>
+              <a:noFill/>
+            </a:ln>
+          </p:spPr>
+        </p:sp>
+        <p:sp>
+          <p:nvSpPr>
+            <p:cNvPr id="77" name="Freeform 12">
+              <a:extLst>
+                <a:ext uri="{FF2B5EF4-FFF2-40B4-BE49-F238E27FC236}">
+                  <a16:creationId xmlns:a16="http://schemas.microsoft.com/office/drawing/2014/main" id="{90925F6C-DF03-4707-9176-6049F049B5AA}"/>
+                </a:ext>
+                <a:ext uri="{C183D7F6-B498-43B3-948B-1728B52AA6E4}">
+                  <adec:decorative xmlns:adec="http://schemas.microsoft.com/office/drawing/2017/decorative" val="1"/>
+                </a:ext>
+              </a:extLst>
+            </p:cNvPr>
+            <p:cNvSpPr/>
+            <p:nvPr>
+              <p:extLst>
+                <p:ext uri="{386F3935-93C4-4BCD-93E2-E3B085C9AB24}">
+                  <p16:designElem xmlns:p16="http://schemas.microsoft.com/office/powerpoint/2015/main" val="1"/>
+                </p:ext>
+              </p:extLst>
+            </p:nvPr>
+          </p:nvSpPr>
+          <p:spPr bwMode="auto">
+            <a:xfrm>
+              <a:off x="2928938" y="2578100"/>
+              <a:ext cx="3584575" cy="4279900"/>
+            </a:xfrm>
+            <a:custGeom>
+              <a:avLst/>
+              <a:gdLst/>
+              <a:ahLst/>
+              <a:cxnLst/>
+              <a:rect l="0" t="0" r="r" b="b"/>
+              <a:pathLst>
+                <a:path w="2258" h="2696">
+                  <a:moveTo>
+                    <a:pt x="2258" y="2696"/>
+                  </a:moveTo>
+                  <a:lnTo>
+                    <a:pt x="264" y="111"/>
+                  </a:lnTo>
+                  <a:lnTo>
+                    <a:pt x="228" y="60"/>
+                  </a:lnTo>
+                  <a:lnTo>
+                    <a:pt x="225" y="57"/>
+                  </a:lnTo>
+                  <a:lnTo>
+                    <a:pt x="0" y="0"/>
+                  </a:lnTo>
+                  <a:lnTo>
+                    <a:pt x="0" y="3"/>
+                  </a:lnTo>
+                  <a:lnTo>
+                    <a:pt x="1697" y="2696"/>
+                  </a:lnTo>
+                  <a:lnTo>
+                    <a:pt x="2258" y="2696"/>
+                  </a:lnTo>
+                  <a:close/>
+                </a:path>
+              </a:pathLst>
+            </a:custGeom>
+            <a:solidFill>
+              <a:schemeClr val="tx1">
+                <a:lumMod val="75000"/>
+                <a:lumOff val="25000"/>
+              </a:schemeClr>
+            </a:solidFill>
+            <a:ln>
+              <a:noFill/>
+            </a:ln>
+          </p:spPr>
+        </p:sp>
+      </p:grpSp>
+      <p:sp useBgFill="1">
+        <p:nvSpPr>
+          <p:cNvPr id="79" name="Rectangle 78">
+            <a:extLst>
+              <a:ext uri="{FF2B5EF4-FFF2-40B4-BE49-F238E27FC236}">
+                <a16:creationId xmlns:a16="http://schemas.microsoft.com/office/drawing/2014/main" id="{6C686317-9C96-4A02-88CE-7319FF590580}"/>
+              </a:ext>
+              <a:ext uri="{C183D7F6-B498-43B3-948B-1728B52AA6E4}">
+                <adec:decorative xmlns:adec="http://schemas.microsoft.com/office/drawing/2017/decorative" val="1"/>
+              </a:ext>
+            </a:extLst>
+          </p:cNvPr>
+          <p:cNvSpPr>
+            <a:spLocks noGrp="1" noRot="1" noChangeAspect="1" noMove="1" noResize="1" noEditPoints="1" noAdjustHandles="1" noChangeArrowheads="1" noChangeShapeType="1" noTextEdit="1"/>
+          </p:cNvSpPr>
+          <p:nvPr>
+            <p:extLst>
+              <p:ext uri="{386F3935-93C4-4BCD-93E2-E3B085C9AB24}">
+                <p16:designElem xmlns:p16="http://schemas.microsoft.com/office/powerpoint/2015/main" val="1"/>
+              </p:ext>
+            </p:extLst>
+          </p:nvPr>
+        </p:nvSpPr>
+        <p:spPr>
+          <a:xfrm>
+            <a:off x="0" y="0"/>
+            <a:ext cx="12192000" cy="6858000"/>
+          </a:xfrm>
+          <a:prstGeom prst="rect">
+            <a:avLst/>
+          </a:prstGeom>
+          <a:ln>
+            <a:noFill/>
+          </a:ln>
+        </p:spPr>
+        <p:style>
+          <a:lnRef idx="2">
+            <a:schemeClr val="accent1">
+              <a:shade val="50000"/>
+            </a:schemeClr>
+          </a:lnRef>
+          <a:fillRef idx="1">
+            <a:schemeClr val="accent1"/>
+          </a:fillRef>
+          <a:effectRef idx="0">
+            <a:schemeClr val="accent1"/>
+          </a:effectRef>
+          <a:fontRef idx="minor">
+            <a:schemeClr val="lt1"/>
+          </a:fontRef>
+        </p:style>
+        <p:txBody>
+          <a:bodyPr rtlCol="0" anchor="ctr"/>
+          <a:lstStyle/>
+          <a:p>
+            <a:pPr algn="ctr"/>
+            <a:endParaRPr lang="en-US"/>
+          </a:p>
+        </p:txBody>
+      </p:sp>
+      <p:sp>
+        <p:nvSpPr>
+          <p:cNvPr id="4" name="Title 3">
+            <a:extLst>
+              <a:ext uri="{FF2B5EF4-FFF2-40B4-BE49-F238E27FC236}">
+                <a16:creationId xmlns:a16="http://schemas.microsoft.com/office/drawing/2014/main" id="{A51F1D0D-DD67-4A62-A86B-903681A9D990}"/>
+              </a:ext>
+            </a:extLst>
+          </p:cNvPr>
+          <p:cNvSpPr>
+            <a:spLocks noGrp="1"/>
+          </p:cNvSpPr>
+          <p:nvPr>
+            <p:ph type="title"/>
+          </p:nvPr>
+        </p:nvSpPr>
+        <p:spPr>
+          <a:xfrm>
+            <a:off x="6580632" y="648930"/>
+            <a:ext cx="4922391" cy="3347337"/>
+          </a:xfrm>
+        </p:spPr>
+        <p:txBody>
+          <a:bodyPr vert="horz" lIns="91440" tIns="45720" rIns="91440" bIns="45720" rtlCol="0" anchor="b">
+            <a:normAutofit/>
+          </a:bodyPr>
+          <a:lstStyle/>
+          <a:p>
+            <a:pPr algn="r"/>
+            <a:r>
+              <a:rPr lang="en-US" sz="3200" u="sng" dirty="0">
+                <a:latin typeface="Consolas" panose="020B0609020204030204" pitchFamily="49" charset="0"/>
+                <a:hlinkClick r:id="rId3"/>
+              </a:rPr>
+              <a:t>http://bit.ly/K8s2402</a:t>
+            </a:r>
+            <a:endParaRPr lang="en-US" sz="3200" dirty="0">
+              <a:latin typeface="Consolas" panose="020B0609020204030204" pitchFamily="49" charset="0"/>
+            </a:endParaRPr>
+          </a:p>
+        </p:txBody>
+      </p:sp>
+      <p:grpSp>
+        <p:nvGrpSpPr>
+          <p:cNvPr id="81" name="Group 80">
+            <a:extLst>
+              <a:ext uri="{FF2B5EF4-FFF2-40B4-BE49-F238E27FC236}">
+                <a16:creationId xmlns:a16="http://schemas.microsoft.com/office/drawing/2014/main" id="{E0E25B5C-98A3-47D8-A4D7-10C2E1758981}"/>
+              </a:ext>
+              <a:ext uri="{C183D7F6-B498-43B3-948B-1728B52AA6E4}">
+                <adec:decorative xmlns:adec="http://schemas.microsoft.com/office/drawing/2017/decorative" val="1"/>
+              </a:ext>
+            </a:extLst>
+          </p:cNvPr>
+          <p:cNvGrpSpPr>
+            <a:grpSpLocks noGrp="1" noUngrp="1" noRot="1" noChangeAspect="1" noMove="1" noResize="1"/>
+          </p:cNvGrpSpPr>
+          <p:nvPr>
+            <p:extLst>
+              <p:ext uri="{386F3935-93C4-4BCD-93E2-E3B085C9AB24}">
+                <p16:designElem xmlns:p16="http://schemas.microsoft.com/office/powerpoint/2015/main" val="1"/>
+              </p:ext>
+            </p:extLst>
+          </p:nvPr>
+        </p:nvGrpSpPr>
+        <p:grpSpPr>
+          <a:xfrm>
+            <a:off x="886714" y="-4763"/>
+            <a:ext cx="5014912" cy="6862763"/>
+            <a:chOff x="2928938" y="-4763"/>
+            <a:chExt cx="5014912" cy="6862763"/>
+          </a:xfrm>
+        </p:grpSpPr>
+        <p:sp>
+          <p:nvSpPr>
+            <p:cNvPr id="82" name="Freeform 6">
+              <a:extLst>
+                <a:ext uri="{FF2B5EF4-FFF2-40B4-BE49-F238E27FC236}">
+                  <a16:creationId xmlns:a16="http://schemas.microsoft.com/office/drawing/2014/main" id="{FECB3374-15F5-40C2-95B4-0FCF10849F3A}"/>
+                </a:ext>
+                <a:ext uri="{C183D7F6-B498-43B3-948B-1728B52AA6E4}">
+                  <adec:decorative xmlns:adec="http://schemas.microsoft.com/office/drawing/2017/decorative" val="1"/>
+                </a:ext>
+              </a:extLst>
+            </p:cNvPr>
+            <p:cNvSpPr/>
+            <p:nvPr>
+              <p:extLst>
+                <p:ext uri="{386F3935-93C4-4BCD-93E2-E3B085C9AB24}">
+                  <p16:designElem xmlns:p16="http://schemas.microsoft.com/office/powerpoint/2015/main" val="1"/>
+                </p:ext>
+              </p:extLst>
+            </p:nvPr>
+          </p:nvSpPr>
+          <p:spPr bwMode="auto">
+            <a:xfrm>
+              <a:off x="3367088" y="-4763"/>
+              <a:ext cx="1063625" cy="2782888"/>
+            </a:xfrm>
+            <a:custGeom>
+              <a:avLst/>
+              <a:gdLst/>
+              <a:ahLst/>
+              <a:cxnLst/>
+              <a:rect l="0" t="0" r="r" b="b"/>
+              <a:pathLst>
+                <a:path w="670" h="1753">
+                  <a:moveTo>
+                    <a:pt x="0" y="1696"/>
+                  </a:moveTo>
+                  <a:lnTo>
+                    <a:pt x="225" y="1753"/>
+                  </a:lnTo>
+                  <a:lnTo>
+                    <a:pt x="670" y="0"/>
+                  </a:lnTo>
+                  <a:lnTo>
+                    <a:pt x="430" y="0"/>
+                  </a:lnTo>
+                  <a:lnTo>
+                    <a:pt x="0" y="1696"/>
+                  </a:lnTo>
+                  <a:close/>
+                </a:path>
+              </a:pathLst>
+            </a:custGeom>
+            <a:solidFill>
+              <a:schemeClr val="accent1"/>
+            </a:solidFill>
+            <a:ln>
+              <a:noFill/>
+            </a:ln>
+          </p:spPr>
+        </p:sp>
+        <p:sp>
+          <p:nvSpPr>
+            <p:cNvPr id="83" name="Freeform 7">
+              <a:extLst>
+                <a:ext uri="{FF2B5EF4-FFF2-40B4-BE49-F238E27FC236}">
+                  <a16:creationId xmlns:a16="http://schemas.microsoft.com/office/drawing/2014/main" id="{E762314F-F556-4403-BAA1-AF8A3BED3EF3}"/>
+                </a:ext>
+                <a:ext uri="{C183D7F6-B498-43B3-948B-1728B52AA6E4}">
+                  <adec:decorative xmlns:adec="http://schemas.microsoft.com/office/drawing/2017/decorative" val="1"/>
+                </a:ext>
+              </a:extLst>
+            </p:cNvPr>
+            <p:cNvSpPr/>
+            <p:nvPr>
+              <p:extLst>
+                <p:ext uri="{386F3935-93C4-4BCD-93E2-E3B085C9AB24}">
+                  <p16:designElem xmlns:p16="http://schemas.microsoft.com/office/powerpoint/2015/main" val="1"/>
+                </p:ext>
+              </p:extLst>
+            </p:nvPr>
+          </p:nvSpPr>
+          <p:spPr bwMode="auto">
+            <a:xfrm>
+              <a:off x="2928938" y="-4763"/>
+              <a:ext cx="1035050" cy="2673350"/>
+            </a:xfrm>
+            <a:custGeom>
+              <a:avLst/>
+              <a:gdLst/>
+              <a:ahLst/>
+              <a:cxnLst/>
+              <a:rect l="0" t="0" r="r" b="b"/>
+              <a:pathLst>
+                <a:path w="652" h="1684">
+                  <a:moveTo>
+                    <a:pt x="225" y="1684"/>
+                  </a:moveTo>
+                  <a:lnTo>
+                    <a:pt x="652" y="0"/>
+                  </a:lnTo>
+                  <a:lnTo>
+                    <a:pt x="411" y="0"/>
+                  </a:lnTo>
+                  <a:lnTo>
+                    <a:pt x="0" y="1627"/>
+                  </a:lnTo>
+                  <a:lnTo>
+                    <a:pt x="219" y="1681"/>
+                  </a:lnTo>
+                  <a:lnTo>
+                    <a:pt x="225" y="1684"/>
+                  </a:lnTo>
+                  <a:close/>
+                </a:path>
+              </a:pathLst>
+            </a:custGeom>
+            <a:solidFill>
+              <a:schemeClr val="tx1">
+                <a:lumMod val="65000"/>
+                <a:lumOff val="35000"/>
+              </a:schemeClr>
+            </a:solidFill>
+            <a:ln>
+              <a:noFill/>
+            </a:ln>
+          </p:spPr>
+        </p:sp>
+        <p:sp>
+          <p:nvSpPr>
+            <p:cNvPr id="84" name="Freeform 25">
+              <a:extLst>
+                <a:ext uri="{FF2B5EF4-FFF2-40B4-BE49-F238E27FC236}">
+                  <a16:creationId xmlns:a16="http://schemas.microsoft.com/office/drawing/2014/main" id="{02EDEF56-2F86-4867-986A-5AFB8EC0789A}"/>
+                </a:ext>
+                <a:ext uri="{C183D7F6-B498-43B3-948B-1728B52AA6E4}">
+                  <adec:decorative xmlns:adec="http://schemas.microsoft.com/office/drawing/2017/decorative" val="1"/>
+                </a:ext>
+              </a:extLst>
+            </p:cNvPr>
+            <p:cNvSpPr/>
+            <p:nvPr>
+              <p:extLst>
+                <p:ext uri="{386F3935-93C4-4BCD-93E2-E3B085C9AB24}">
+                  <p16:designElem xmlns:p16="http://schemas.microsoft.com/office/powerpoint/2015/main" val="1"/>
+                </p:ext>
+              </p:extLst>
+            </p:nvPr>
+          </p:nvSpPr>
+          <p:spPr bwMode="auto">
+            <a:xfrm>
+              <a:off x="2928938" y="2582862"/>
+              <a:ext cx="2693987" cy="4275138"/>
+            </a:xfrm>
+            <a:custGeom>
+              <a:avLst/>
+              <a:gdLst/>
+              <a:ahLst/>
+              <a:cxnLst/>
+              <a:rect l="0" t="0" r="r" b="b"/>
+              <a:pathLst>
+                <a:path w="1697" h="2693">
+                  <a:moveTo>
+                    <a:pt x="0" y="0"/>
+                  </a:moveTo>
+                  <a:lnTo>
+                    <a:pt x="1622" y="2693"/>
+                  </a:lnTo>
+                  <a:lnTo>
+                    <a:pt x="1697" y="2693"/>
+                  </a:lnTo>
+                  <a:lnTo>
+                    <a:pt x="0" y="0"/>
+                  </a:lnTo>
+                  <a:close/>
+                </a:path>
+              </a:pathLst>
+            </a:custGeom>
+            <a:solidFill>
+              <a:schemeClr val="tx1">
+                <a:lumMod val="85000"/>
+                <a:lumOff val="15000"/>
+              </a:schemeClr>
+            </a:solidFill>
+            <a:ln>
+              <a:noFill/>
+            </a:ln>
+          </p:spPr>
+        </p:sp>
+        <p:sp>
+          <p:nvSpPr>
+            <p:cNvPr id="85" name="Freeform 26">
+              <a:extLst>
+                <a:ext uri="{FF2B5EF4-FFF2-40B4-BE49-F238E27FC236}">
+                  <a16:creationId xmlns:a16="http://schemas.microsoft.com/office/drawing/2014/main" id="{51BE63E6-C24A-43FA-93F5-475F550ABE57}"/>
+                </a:ext>
+                <a:ext uri="{C183D7F6-B498-43B3-948B-1728B52AA6E4}">
+                  <adec:decorative xmlns:adec="http://schemas.microsoft.com/office/drawing/2017/decorative" val="1"/>
+                </a:ext>
+              </a:extLst>
+            </p:cNvPr>
+            <p:cNvSpPr/>
+            <p:nvPr>
+              <p:extLst>
+                <p:ext uri="{386F3935-93C4-4BCD-93E2-E3B085C9AB24}">
+                  <p16:designElem xmlns:p16="http://schemas.microsoft.com/office/powerpoint/2015/main" val="1"/>
+                </p:ext>
+              </p:extLst>
+            </p:nvPr>
+          </p:nvSpPr>
+          <p:spPr bwMode="auto">
+            <a:xfrm>
+              <a:off x="3371850" y="2692400"/>
+              <a:ext cx="3332162" cy="4165600"/>
+            </a:xfrm>
+            <a:custGeom>
+              <a:avLst/>
+              <a:gdLst/>
+              <a:ahLst/>
+              <a:cxnLst/>
+              <a:rect l="0" t="0" r="r" b="b"/>
+              <a:pathLst>
+                <a:path w="2099" h="2624">
+                  <a:moveTo>
+                    <a:pt x="2099" y="2624"/>
+                  </a:moveTo>
+                  <a:lnTo>
+                    <a:pt x="0" y="0"/>
+                  </a:lnTo>
+                  <a:lnTo>
+                    <a:pt x="2021" y="2624"/>
+                  </a:lnTo>
+                  <a:lnTo>
+                    <a:pt x="2099" y="2624"/>
+                  </a:lnTo>
+                  <a:close/>
+                </a:path>
+              </a:pathLst>
+            </a:custGeom>
+            <a:solidFill>
+              <a:schemeClr val="accent1">
+                <a:lumMod val="50000"/>
+              </a:schemeClr>
+            </a:solidFill>
+            <a:ln>
+              <a:noFill/>
+            </a:ln>
+          </p:spPr>
+        </p:sp>
+        <p:sp>
+          <p:nvSpPr>
+            <p:cNvPr id="86" name="Freeform 27">
+              <a:extLst>
+                <a:ext uri="{FF2B5EF4-FFF2-40B4-BE49-F238E27FC236}">
+                  <a16:creationId xmlns:a16="http://schemas.microsoft.com/office/drawing/2014/main" id="{9639DAAA-46FE-401C-BB78-B7A9AF33C040}"/>
+                </a:ext>
+                <a:ext uri="{C183D7F6-B498-43B3-948B-1728B52AA6E4}">
+                  <adec:decorative xmlns:adec="http://schemas.microsoft.com/office/drawing/2017/decorative" val="1"/>
+                </a:ext>
+              </a:extLst>
+            </p:cNvPr>
+            <p:cNvSpPr/>
+            <p:nvPr>
+              <p:extLst>
+                <p:ext uri="{386F3935-93C4-4BCD-93E2-E3B085C9AB24}">
+                  <p16:designElem xmlns:p16="http://schemas.microsoft.com/office/powerpoint/2015/main" val="1"/>
+                </p:ext>
+              </p:extLst>
+            </p:nvPr>
+          </p:nvSpPr>
+          <p:spPr bwMode="auto">
+            <a:xfrm>
+              <a:off x="3367088" y="2687637"/>
+              <a:ext cx="4576762" cy="4170363"/>
+            </a:xfrm>
+            <a:custGeom>
+              <a:avLst/>
+              <a:gdLst/>
+              <a:ahLst/>
+              <a:cxnLst/>
+              <a:rect l="0" t="0" r="r" b="b"/>
+              <a:pathLst>
+                <a:path w="2883" h="2627">
+                  <a:moveTo>
+                    <a:pt x="0" y="0"/>
+                  </a:moveTo>
+                  <a:lnTo>
+                    <a:pt x="3" y="3"/>
+                  </a:lnTo>
+                  <a:lnTo>
+                    <a:pt x="2102" y="2627"/>
+                  </a:lnTo>
+                  <a:lnTo>
+                    <a:pt x="2883" y="2627"/>
+                  </a:lnTo>
+                  <a:lnTo>
+                    <a:pt x="225" y="57"/>
+                  </a:lnTo>
+                  <a:lnTo>
+                    <a:pt x="0" y="0"/>
+                  </a:lnTo>
+                  <a:close/>
+                </a:path>
+              </a:pathLst>
+            </a:custGeom>
+            <a:solidFill>
+              <a:schemeClr val="accent1">
+                <a:lumMod val="75000"/>
+              </a:schemeClr>
+            </a:solidFill>
+            <a:ln>
+              <a:noFill/>
+            </a:ln>
+          </p:spPr>
+        </p:sp>
+        <p:sp>
+          <p:nvSpPr>
+            <p:cNvPr id="87" name="Freeform 28">
+              <a:extLst>
+                <a:ext uri="{FF2B5EF4-FFF2-40B4-BE49-F238E27FC236}">
+                  <a16:creationId xmlns:a16="http://schemas.microsoft.com/office/drawing/2014/main" id="{D5EFBD2C-94D5-43D0-B2FE-E390BD3F3440}"/>
+                </a:ext>
+                <a:ext uri="{C183D7F6-B498-43B3-948B-1728B52AA6E4}">
+                  <adec:decorative xmlns:adec="http://schemas.microsoft.com/office/drawing/2017/decorative" val="1"/>
+                </a:ext>
+              </a:extLst>
+            </p:cNvPr>
+            <p:cNvSpPr/>
+            <p:nvPr>
+              <p:extLst>
+                <p:ext uri="{386F3935-93C4-4BCD-93E2-E3B085C9AB24}">
+                  <p16:designElem xmlns:p16="http://schemas.microsoft.com/office/powerpoint/2015/main" val="1"/>
+                </p:ext>
+              </p:extLst>
+            </p:nvPr>
+          </p:nvSpPr>
+          <p:spPr bwMode="auto">
+            <a:xfrm>
+              <a:off x="2928938" y="2578100"/>
+              <a:ext cx="3584575" cy="4279900"/>
+            </a:xfrm>
+            <a:custGeom>
+              <a:avLst/>
+              <a:gdLst/>
+              <a:ahLst/>
+              <a:cxnLst/>
+              <a:rect l="0" t="0" r="r" b="b"/>
+              <a:pathLst>
+                <a:path w="2258" h="2696">
+                  <a:moveTo>
+                    <a:pt x="2258" y="2696"/>
+                  </a:moveTo>
+                  <a:lnTo>
+                    <a:pt x="264" y="111"/>
+                  </a:lnTo>
+                  <a:lnTo>
+                    <a:pt x="228" y="60"/>
+                  </a:lnTo>
+                  <a:lnTo>
+                    <a:pt x="225" y="57"/>
+                  </a:lnTo>
+                  <a:lnTo>
+                    <a:pt x="0" y="0"/>
+                  </a:lnTo>
+                  <a:lnTo>
+                    <a:pt x="0" y="3"/>
+                  </a:lnTo>
+                  <a:lnTo>
+                    <a:pt x="1697" y="2696"/>
+                  </a:lnTo>
+                  <a:lnTo>
+                    <a:pt x="2258" y="2696"/>
+                  </a:lnTo>
+                  <a:close/>
+                </a:path>
+              </a:pathLst>
+            </a:custGeom>
+            <a:solidFill>
+              <a:schemeClr val="tx1">
+                <a:lumMod val="75000"/>
+                <a:lumOff val="25000"/>
+              </a:schemeClr>
+            </a:solidFill>
+            <a:ln>
+              <a:noFill/>
+            </a:ln>
+          </p:spPr>
+        </p:sp>
+      </p:grpSp>
+      <p:sp>
+        <p:nvSpPr>
+          <p:cNvPr id="89" name="Rounded Rectangle 16">
+            <a:extLst>
+              <a:ext uri="{FF2B5EF4-FFF2-40B4-BE49-F238E27FC236}">
+                <a16:creationId xmlns:a16="http://schemas.microsoft.com/office/drawing/2014/main" id="{EB9A9756-A5DB-460E-A867-A2AE77834D3A}"/>
+              </a:ext>
+              <a:ext uri="{C183D7F6-B498-43B3-948B-1728B52AA6E4}">
+                <adec:decorative xmlns:adec="http://schemas.microsoft.com/office/drawing/2017/decorative" val="1"/>
+              </a:ext>
+            </a:extLst>
+          </p:cNvPr>
+          <p:cNvSpPr>
+            <a:spLocks noGrp="1" noRot="1" noChangeAspect="1" noMove="1" noResize="1" noEditPoints="1" noAdjustHandles="1" noChangeArrowheads="1" noChangeShapeType="1" noTextEdit="1"/>
+          </p:cNvSpPr>
+          <p:nvPr>
+            <p:extLst>
+              <p:ext uri="{386F3935-93C4-4BCD-93E2-E3B085C9AB24}">
+                <p16:designElem xmlns:p16="http://schemas.microsoft.com/office/powerpoint/2015/main" val="1"/>
+              </p:ext>
+            </p:extLst>
+          </p:nvPr>
+        </p:nvSpPr>
+        <p:spPr>
+          <a:xfrm>
+            <a:off x="656693" y="648931"/>
+            <a:ext cx="5419641" cy="5231964"/>
+          </a:xfrm>
+          <a:prstGeom prst="roundRect">
+            <a:avLst>
+              <a:gd name="adj" fmla="val 4834"/>
+            </a:avLst>
+          </a:prstGeom>
+          <a:solidFill>
+            <a:schemeClr val="bg1"/>
+          </a:solidFill>
+          <a:ln w="38100">
+            <a:gradFill flip="none" rotWithShape="1">
+              <a:gsLst>
+                <a:gs pos="0">
+                  <a:schemeClr val="bg2"/>
+                </a:gs>
+                <a:gs pos="100000">
+                  <a:schemeClr val="bg2">
+                    <a:lumMod val="75000"/>
+                  </a:schemeClr>
+                </a:gs>
+              </a:gsLst>
+              <a:lin ang="5400000" scaled="0"/>
+              <a:tileRect/>
+            </a:gradFill>
+          </a:ln>
+          <a:effectLst>
+            <a:innerShdw blurRad="57150" dist="38100" dir="14460000">
+              <a:srgbClr val="000000">
+                <a:alpha val="70000"/>
+              </a:srgbClr>
+            </a:innerShdw>
+          </a:effectLst>
+        </p:spPr>
+        <p:style>
+          <a:lnRef idx="2">
+            <a:schemeClr val="accent1">
+              <a:shade val="50000"/>
+            </a:schemeClr>
+          </a:lnRef>
+          <a:fillRef idx="1">
+            <a:schemeClr val="accent1"/>
+          </a:fillRef>
+          <a:effectRef idx="0">
+            <a:schemeClr val="accent1"/>
+          </a:effectRef>
+          <a:fontRef idx="minor">
+            <a:schemeClr val="lt1"/>
+          </a:fontRef>
+        </p:style>
+        <p:txBody>
+          <a:bodyPr rtlCol="0" anchor="ctr"/>
+          <a:lstStyle/>
+          <a:p>
+            <a:pPr algn="ctr"/>
+            <a:endParaRPr lang="en-US"/>
+          </a:p>
+        </p:txBody>
+      </p:sp>
+      <p:pic>
+        <p:nvPicPr>
+          <p:cNvPr id="1026" name="Picture 2">
+            <a:extLst>
+              <a:ext uri="{FF2B5EF4-FFF2-40B4-BE49-F238E27FC236}">
+                <a16:creationId xmlns:a16="http://schemas.microsoft.com/office/drawing/2014/main" id="{C075B0CE-E72A-4A00-A782-2C03BF7F68B8}"/>
+              </a:ext>
+            </a:extLst>
+          </p:cNvPr>
+          <p:cNvPicPr>
+            <a:picLocks noChangeAspect="1" noChangeArrowheads="1"/>
+          </p:cNvPicPr>
+          <p:nvPr/>
+        </p:nvPicPr>
+        <p:blipFill>
+          <a:blip r:embed="rId4">
+            <a:extLst>
+              <a:ext uri="{28A0092B-C50C-407E-A947-70E740481C1C}">
+                <a14:useLocalDpi xmlns:a14="http://schemas.microsoft.com/office/drawing/2010/main" val="0"/>
+              </a:ext>
+            </a:extLst>
+          </a:blip>
+          <a:stretch>
+            <a:fillRect/>
+          </a:stretch>
+        </p:blipFill>
+        <p:spPr bwMode="auto">
+          <a:xfrm>
+            <a:off x="1091356" y="1011765"/>
+            <a:ext cx="4546708" cy="4546708"/>
+          </a:xfrm>
+          <a:prstGeom prst="rect">
+            <a:avLst/>
+          </a:prstGeom>
+          <a:noFill/>
+          <a:extLst>
+            <a:ext uri="{909E8E84-426E-40DD-AFC4-6F175D3DCCD1}">
+              <a14:hiddenFill xmlns:a14="http://schemas.microsoft.com/office/drawing/2010/main">
+                <a:solidFill>
+                  <a:srgbClr val="FFFFFF"/>
+                </a:solidFill>
+              </a14:hiddenFill>
+            </a:ext>
+          </a:extLst>
+        </p:spPr>
+      </p:pic>
+    </p:spTree>
+    <p:extLst>
+      <p:ext uri="{BB962C8B-B14F-4D97-AF65-F5344CB8AC3E}">
+        <p14:creationId xmlns:p14="http://schemas.microsoft.com/office/powerpoint/2010/main" val="4088040973"/>
+      </p:ext>
+    </p:extLst>
+  </p:cSld>
+  <p:clrMapOvr>
+    <a:masterClrMapping/>
+  </p:clrMapOvr>
+</p:sld>
+</file>
+
+<file path=ppt/slides/slide18.xml><?xml version="1.0" encoding="utf-8"?>
 <p:sld xmlns:a="http://schemas.openxmlformats.org/drawingml/2006/main" xmlns:r="http://schemas.openxmlformats.org/officeDocument/2006/relationships" xmlns:p="http://schemas.openxmlformats.org/presentationml/2006/main">
   <p:cSld>
     <p:spTree>
